--- a/Rdata/GO_term_analysis/Go term visualisations_2_nov_2020.pptx
+++ b/Rdata/GO_term_analysis/Go term visualisations_2_nov_2020.pptx
@@ -5,19 +5,20 @@
     <p:sldMasterId id="2147483648" r:id="rId1"/>
   </p:sldMasterIdLst>
   <p:sldIdLst>
-    <p:sldId id="256" r:id="rId2"/>
-    <p:sldId id="263" r:id="rId3"/>
-    <p:sldId id="270" r:id="rId4"/>
-    <p:sldId id="271" r:id="rId5"/>
-    <p:sldId id="269" r:id="rId6"/>
-    <p:sldId id="266" r:id="rId7"/>
-    <p:sldId id="265" r:id="rId8"/>
-    <p:sldId id="257" r:id="rId9"/>
-    <p:sldId id="258" r:id="rId10"/>
-    <p:sldId id="262" r:id="rId11"/>
-    <p:sldId id="259" r:id="rId12"/>
-    <p:sldId id="260" r:id="rId13"/>
-    <p:sldId id="261" r:id="rId14"/>
+    <p:sldId id="263" r:id="rId2"/>
+    <p:sldId id="256" r:id="rId3"/>
+    <p:sldId id="272" r:id="rId4"/>
+    <p:sldId id="270" r:id="rId5"/>
+    <p:sldId id="271" r:id="rId6"/>
+    <p:sldId id="269" r:id="rId7"/>
+    <p:sldId id="266" r:id="rId8"/>
+    <p:sldId id="265" r:id="rId9"/>
+    <p:sldId id="257" r:id="rId10"/>
+    <p:sldId id="258" r:id="rId11"/>
+    <p:sldId id="262" r:id="rId12"/>
+    <p:sldId id="259" r:id="rId13"/>
+    <p:sldId id="260" r:id="rId14"/>
+    <p:sldId id="261" r:id="rId15"/>
   </p:sldIdLst>
   <p:sldSz cx="12192000" cy="6858000"/>
   <p:notesSz cx="6858000" cy="9144000"/>
@@ -271,7 +272,7 @@
           <a:p>
             <a:fld id="{78DEFF46-62C9-462D-83AA-D005489914C3}" type="datetimeFigureOut">
               <a:rPr lang="en-US" smtClean="0"/>
-              <a:t>11/3/2020</a:t>
+              <a:t>11/7/2020</a:t>
             </a:fld>
             <a:endParaRPr lang="en-US"/>
           </a:p>
@@ -469,7 +470,7 @@
           <a:p>
             <a:fld id="{78DEFF46-62C9-462D-83AA-D005489914C3}" type="datetimeFigureOut">
               <a:rPr lang="en-US" smtClean="0"/>
-              <a:t>11/3/2020</a:t>
+              <a:t>11/7/2020</a:t>
             </a:fld>
             <a:endParaRPr lang="en-US"/>
           </a:p>
@@ -677,7 +678,7 @@
           <a:p>
             <a:fld id="{78DEFF46-62C9-462D-83AA-D005489914C3}" type="datetimeFigureOut">
               <a:rPr lang="en-US" smtClean="0"/>
-              <a:t>11/3/2020</a:t>
+              <a:t>11/7/2020</a:t>
             </a:fld>
             <a:endParaRPr lang="en-US"/>
           </a:p>
@@ -875,7 +876,7 @@
           <a:p>
             <a:fld id="{78DEFF46-62C9-462D-83AA-D005489914C3}" type="datetimeFigureOut">
               <a:rPr lang="en-US" smtClean="0"/>
-              <a:t>11/3/2020</a:t>
+              <a:t>11/7/2020</a:t>
             </a:fld>
             <a:endParaRPr lang="en-US"/>
           </a:p>
@@ -1150,7 +1151,7 @@
           <a:p>
             <a:fld id="{78DEFF46-62C9-462D-83AA-D005489914C3}" type="datetimeFigureOut">
               <a:rPr lang="en-US" smtClean="0"/>
-              <a:t>11/3/2020</a:t>
+              <a:t>11/7/2020</a:t>
             </a:fld>
             <a:endParaRPr lang="en-US"/>
           </a:p>
@@ -1415,7 +1416,7 @@
           <a:p>
             <a:fld id="{78DEFF46-62C9-462D-83AA-D005489914C3}" type="datetimeFigureOut">
               <a:rPr lang="en-US" smtClean="0"/>
-              <a:t>11/3/2020</a:t>
+              <a:t>11/7/2020</a:t>
             </a:fld>
             <a:endParaRPr lang="en-US"/>
           </a:p>
@@ -1827,7 +1828,7 @@
           <a:p>
             <a:fld id="{78DEFF46-62C9-462D-83AA-D005489914C3}" type="datetimeFigureOut">
               <a:rPr lang="en-US" smtClean="0"/>
-              <a:t>11/3/2020</a:t>
+              <a:t>11/7/2020</a:t>
             </a:fld>
             <a:endParaRPr lang="en-US"/>
           </a:p>
@@ -1968,7 +1969,7 @@
           <a:p>
             <a:fld id="{78DEFF46-62C9-462D-83AA-D005489914C3}" type="datetimeFigureOut">
               <a:rPr lang="en-US" smtClean="0"/>
-              <a:t>11/3/2020</a:t>
+              <a:t>11/7/2020</a:t>
             </a:fld>
             <a:endParaRPr lang="en-US"/>
           </a:p>
@@ -2081,7 +2082,7 @@
           <a:p>
             <a:fld id="{78DEFF46-62C9-462D-83AA-D005489914C3}" type="datetimeFigureOut">
               <a:rPr lang="en-US" smtClean="0"/>
-              <a:t>11/3/2020</a:t>
+              <a:t>11/7/2020</a:t>
             </a:fld>
             <a:endParaRPr lang="en-US"/>
           </a:p>
@@ -2392,7 +2393,7 @@
           <a:p>
             <a:fld id="{78DEFF46-62C9-462D-83AA-D005489914C3}" type="datetimeFigureOut">
               <a:rPr lang="en-US" smtClean="0"/>
-              <a:t>11/3/2020</a:t>
+              <a:t>11/7/2020</a:t>
             </a:fld>
             <a:endParaRPr lang="en-US"/>
           </a:p>
@@ -2680,7 +2681,7 @@
           <a:p>
             <a:fld id="{78DEFF46-62C9-462D-83AA-D005489914C3}" type="datetimeFigureOut">
               <a:rPr lang="en-US" smtClean="0"/>
-              <a:t>11/3/2020</a:t>
+              <a:t>11/7/2020</a:t>
             </a:fld>
             <a:endParaRPr lang="en-US"/>
           </a:p>
@@ -2921,7 +2922,7 @@
           <a:p>
             <a:fld id="{78DEFF46-62C9-462D-83AA-D005489914C3}" type="datetimeFigureOut">
               <a:rPr lang="en-US" smtClean="0"/>
-              <a:t>11/3/2020</a:t>
+              <a:t>11/7/2020</a:t>
             </a:fld>
             <a:endParaRPr lang="en-US"/>
           </a:p>
@@ -3338,680 +3339,6 @@
           <a:chExt cx="0" cy="0"/>
         </a:xfrm>
       </p:grpSpPr>
-      <p:sp>
-        <p:nvSpPr>
-          <p:cNvPr id="2" name="Title 1">
-            <a:extLst>
-              <a:ext uri="{FF2B5EF4-FFF2-40B4-BE49-F238E27FC236}">
-                <a16:creationId xmlns:a16="http://schemas.microsoft.com/office/drawing/2014/main" id="{20521BFD-BBEE-4FDA-BBEA-8F1A6E4884C0}"/>
-              </a:ext>
-            </a:extLst>
-          </p:cNvPr>
-          <p:cNvSpPr>
-            <a:spLocks noGrp="1"/>
-          </p:cNvSpPr>
-          <p:nvPr>
-            <p:ph type="ctrTitle"/>
-          </p:nvPr>
-        </p:nvSpPr>
-        <p:spPr/>
-        <p:txBody>
-          <a:bodyPr/>
-          <a:lstStyle/>
-          <a:p>
-            <a:r>
-              <a:rPr lang="en-US" dirty="0"/>
-              <a:t>Go term visualizations</a:t>
-            </a:r>
-          </a:p>
-        </p:txBody>
-      </p:sp>
-      <p:sp>
-        <p:nvSpPr>
-          <p:cNvPr id="3" name="Subtitle 2">
-            <a:extLst>
-              <a:ext uri="{FF2B5EF4-FFF2-40B4-BE49-F238E27FC236}">
-                <a16:creationId xmlns:a16="http://schemas.microsoft.com/office/drawing/2014/main" id="{2CCC5B1D-2D7F-4672-8E00-371F37FE7D2A}"/>
-              </a:ext>
-            </a:extLst>
-          </p:cNvPr>
-          <p:cNvSpPr>
-            <a:spLocks noGrp="1"/>
-          </p:cNvSpPr>
-          <p:nvPr>
-            <p:ph type="subTitle" idx="1"/>
-          </p:nvPr>
-        </p:nvSpPr>
-        <p:spPr/>
-        <p:txBody>
-          <a:bodyPr/>
-          <a:lstStyle/>
-          <a:p>
-            <a:r>
-              <a:rPr lang="en-US" dirty="0"/>
-              <a:t>Jochum, Michael D.</a:t>
-            </a:r>
-          </a:p>
-          <a:p>
-            <a:r>
-              <a:rPr lang="en-US" dirty="0"/>
-              <a:t>2 November 2020</a:t>
-            </a:r>
-          </a:p>
-        </p:txBody>
-      </p:sp>
-    </p:spTree>
-    <p:extLst>
-      <p:ext uri="{BB962C8B-B14F-4D97-AF65-F5344CB8AC3E}">
-        <p14:creationId xmlns:p14="http://schemas.microsoft.com/office/powerpoint/2010/main" val="2551513583"/>
-      </p:ext>
-    </p:extLst>
-  </p:cSld>
-  <p:clrMapOvr>
-    <a:masterClrMapping/>
-  </p:clrMapOvr>
-</p:sld>
-</file>
-
-<file path=ppt/slides/slide10.xml><?xml version="1.0" encoding="utf-8"?>
-<p:sld xmlns:a="http://schemas.openxmlformats.org/drawingml/2006/main" xmlns:r="http://schemas.openxmlformats.org/officeDocument/2006/relationships" xmlns:p="http://schemas.openxmlformats.org/presentationml/2006/main">
-  <p:cSld>
-    <p:spTree>
-      <p:nvGrpSpPr>
-        <p:cNvPr id="1" name=""/>
-        <p:cNvGrpSpPr/>
-        <p:nvPr/>
-      </p:nvGrpSpPr>
-      <p:grpSpPr>
-        <a:xfrm>
-          <a:off x="0" y="0"/>
-          <a:ext cx="0" cy="0"/>
-          <a:chOff x="0" y="0"/>
-          <a:chExt cx="0" cy="0"/>
-        </a:xfrm>
-      </p:grpSpPr>
-      <p:sp>
-        <p:nvSpPr>
-          <p:cNvPr id="4" name="TextBox 3">
-            <a:extLst>
-              <a:ext uri="{FF2B5EF4-FFF2-40B4-BE49-F238E27FC236}">
-                <a16:creationId xmlns:a16="http://schemas.microsoft.com/office/drawing/2014/main" id="{BCC1FD77-FAB1-4463-9C46-EB379A9AE9FC}"/>
-              </a:ext>
-            </a:extLst>
-          </p:cNvPr>
-          <p:cNvSpPr txBox="1"/>
-          <p:nvPr/>
-        </p:nvSpPr>
-        <p:spPr>
-          <a:xfrm>
-            <a:off x="3239288" y="177266"/>
-            <a:ext cx="5713424" cy="400110"/>
-          </a:xfrm>
-          <a:prstGeom prst="rect">
-            <a:avLst/>
-          </a:prstGeom>
-          <a:noFill/>
-        </p:spPr>
-        <p:txBody>
-          <a:bodyPr wrap="none" rtlCol="0">
-            <a:spAutoFit/>
-          </a:bodyPr>
-          <a:lstStyle/>
-          <a:p>
-            <a:pPr algn="ctr"/>
-            <a:r>
-              <a:rPr lang="en-US" sz="2000" b="0" i="0" dirty="0">
-                <a:solidFill>
-                  <a:srgbClr val="333333"/>
-                </a:solidFill>
-                <a:effectLst/>
-                <a:latin typeface="Helvetica Neue"/>
-              </a:rPr>
-              <a:t>Dirichlet Multinomial Mixtures Community typing</a:t>
-            </a:r>
-          </a:p>
-        </p:txBody>
-      </p:sp>
-      <p:pic>
-        <p:nvPicPr>
-          <p:cNvPr id="5" name="Picture 4" descr="Chart, scatter chart&#10;&#10;Description automatically generated">
-            <a:extLst>
-              <a:ext uri="{FF2B5EF4-FFF2-40B4-BE49-F238E27FC236}">
-                <a16:creationId xmlns:a16="http://schemas.microsoft.com/office/drawing/2014/main" id="{8F28D465-3C5B-40F6-A123-8AB7C99B4730}"/>
-              </a:ext>
-            </a:extLst>
-          </p:cNvPr>
-          <p:cNvPicPr>
-            <a:picLocks noChangeAspect="1"/>
-          </p:cNvPicPr>
-          <p:nvPr/>
-        </p:nvPicPr>
-        <p:blipFill rotWithShape="1">
-          <a:blip r:embed="rId2">
-            <a:extLst>
-              <a:ext uri="{28A0092B-C50C-407E-A947-70E740481C1C}">
-                <a14:useLocalDpi xmlns:a14="http://schemas.microsoft.com/office/drawing/2010/main" val="0"/>
-              </a:ext>
-            </a:extLst>
-          </a:blip>
-          <a:srcRect t="23758"/>
-          <a:stretch/>
-        </p:blipFill>
-        <p:spPr>
-          <a:xfrm>
-            <a:off x="70786" y="24583"/>
-            <a:ext cx="1641835" cy="1251767"/>
-          </a:xfrm>
-          <a:prstGeom prst="rect">
-            <a:avLst/>
-          </a:prstGeom>
-        </p:spPr>
-      </p:pic>
-      <p:pic>
-        <p:nvPicPr>
-          <p:cNvPr id="2" name="Picture 1">
-            <a:extLst>
-              <a:ext uri="{FF2B5EF4-FFF2-40B4-BE49-F238E27FC236}">
-                <a16:creationId xmlns:a16="http://schemas.microsoft.com/office/drawing/2014/main" id="{31B1021C-C530-4DE1-A834-0DB26FE88277}"/>
-              </a:ext>
-            </a:extLst>
-          </p:cNvPr>
-          <p:cNvPicPr>
-            <a:picLocks noChangeAspect="1"/>
-          </p:cNvPicPr>
-          <p:nvPr/>
-        </p:nvPicPr>
-        <p:blipFill>
-          <a:blip r:embed="rId3"/>
-          <a:stretch>
-            <a:fillRect/>
-          </a:stretch>
-        </p:blipFill>
-        <p:spPr>
-          <a:xfrm>
-            <a:off x="1548183" y="0"/>
-            <a:ext cx="9095633" cy="6858000"/>
-          </a:xfrm>
-          <a:prstGeom prst="rect">
-            <a:avLst/>
-          </a:prstGeom>
-        </p:spPr>
-      </p:pic>
-    </p:spTree>
-    <p:extLst>
-      <p:ext uri="{BB962C8B-B14F-4D97-AF65-F5344CB8AC3E}">
-        <p14:creationId xmlns:p14="http://schemas.microsoft.com/office/powerpoint/2010/main" val="4063503292"/>
-      </p:ext>
-    </p:extLst>
-  </p:cSld>
-  <p:clrMapOvr>
-    <a:masterClrMapping/>
-  </p:clrMapOvr>
-</p:sld>
-</file>
-
-<file path=ppt/slides/slide11.xml><?xml version="1.0" encoding="utf-8"?>
-<p:sld xmlns:a="http://schemas.openxmlformats.org/drawingml/2006/main" xmlns:r="http://schemas.openxmlformats.org/officeDocument/2006/relationships" xmlns:p="http://schemas.openxmlformats.org/presentationml/2006/main">
-  <p:cSld>
-    <p:spTree>
-      <p:nvGrpSpPr>
-        <p:cNvPr id="1" name=""/>
-        <p:cNvGrpSpPr/>
-        <p:nvPr/>
-      </p:nvGrpSpPr>
-      <p:grpSpPr>
-        <a:xfrm>
-          <a:off x="0" y="0"/>
-          <a:ext cx="0" cy="0"/>
-          <a:chOff x="0" y="0"/>
-          <a:chExt cx="0" cy="0"/>
-        </a:xfrm>
-      </p:grpSpPr>
-      <p:sp>
-        <p:nvSpPr>
-          <p:cNvPr id="4" name="TextBox 3">
-            <a:extLst>
-              <a:ext uri="{FF2B5EF4-FFF2-40B4-BE49-F238E27FC236}">
-                <a16:creationId xmlns:a16="http://schemas.microsoft.com/office/drawing/2014/main" id="{BCC1FD77-FAB1-4463-9C46-EB379A9AE9FC}"/>
-              </a:ext>
-            </a:extLst>
-          </p:cNvPr>
-          <p:cNvSpPr txBox="1"/>
-          <p:nvPr/>
-        </p:nvSpPr>
-        <p:spPr>
-          <a:xfrm>
-            <a:off x="3239288" y="177266"/>
-            <a:ext cx="5713424" cy="400110"/>
-          </a:xfrm>
-          <a:prstGeom prst="rect">
-            <a:avLst/>
-          </a:prstGeom>
-          <a:noFill/>
-        </p:spPr>
-        <p:txBody>
-          <a:bodyPr wrap="none" rtlCol="0">
-            <a:spAutoFit/>
-          </a:bodyPr>
-          <a:lstStyle/>
-          <a:p>
-            <a:pPr algn="ctr"/>
-            <a:r>
-              <a:rPr lang="en-US" sz="2000" b="0" i="0" dirty="0">
-                <a:solidFill>
-                  <a:srgbClr val="333333"/>
-                </a:solidFill>
-                <a:effectLst/>
-                <a:latin typeface="Helvetica Neue"/>
-              </a:rPr>
-              <a:t>Dirichlet Multinomial Mixtures Community typing</a:t>
-            </a:r>
-          </a:p>
-        </p:txBody>
-      </p:sp>
-      <p:pic>
-        <p:nvPicPr>
-          <p:cNvPr id="5" name="Picture 4" descr="Chart, scatter chart&#10;&#10;Description automatically generated">
-            <a:extLst>
-              <a:ext uri="{FF2B5EF4-FFF2-40B4-BE49-F238E27FC236}">
-                <a16:creationId xmlns:a16="http://schemas.microsoft.com/office/drawing/2014/main" id="{8F28D465-3C5B-40F6-A123-8AB7C99B4730}"/>
-              </a:ext>
-            </a:extLst>
-          </p:cNvPr>
-          <p:cNvPicPr>
-            <a:picLocks noChangeAspect="1"/>
-          </p:cNvPicPr>
-          <p:nvPr/>
-        </p:nvPicPr>
-        <p:blipFill rotWithShape="1">
-          <a:blip r:embed="rId2">
-            <a:extLst>
-              <a:ext uri="{28A0092B-C50C-407E-A947-70E740481C1C}">
-                <a14:useLocalDpi xmlns:a14="http://schemas.microsoft.com/office/drawing/2010/main" val="0"/>
-              </a:ext>
-            </a:extLst>
-          </a:blip>
-          <a:srcRect t="23758"/>
-          <a:stretch/>
-        </p:blipFill>
-        <p:spPr>
-          <a:xfrm>
-            <a:off x="70786" y="24583"/>
-            <a:ext cx="1641835" cy="1251767"/>
-          </a:xfrm>
-          <a:prstGeom prst="rect">
-            <a:avLst/>
-          </a:prstGeom>
-        </p:spPr>
-      </p:pic>
-      <p:pic>
-        <p:nvPicPr>
-          <p:cNvPr id="14" name="Picture 13">
-            <a:extLst>
-              <a:ext uri="{FF2B5EF4-FFF2-40B4-BE49-F238E27FC236}">
-                <a16:creationId xmlns:a16="http://schemas.microsoft.com/office/drawing/2014/main" id="{620E8C48-DF4B-4DB0-A753-1A1B6BF5B713}"/>
-              </a:ext>
-            </a:extLst>
-          </p:cNvPr>
-          <p:cNvPicPr>
-            <a:picLocks noChangeAspect="1"/>
-          </p:cNvPicPr>
-          <p:nvPr/>
-        </p:nvPicPr>
-        <p:blipFill rotWithShape="1">
-          <a:blip r:embed="rId3"/>
-          <a:srcRect l="3868" r="24443"/>
-          <a:stretch/>
-        </p:blipFill>
-        <p:spPr>
-          <a:xfrm>
-            <a:off x="0" y="5147209"/>
-            <a:ext cx="5824538" cy="1533525"/>
-          </a:xfrm>
-          <a:prstGeom prst="rect">
-            <a:avLst/>
-          </a:prstGeom>
-        </p:spPr>
-      </p:pic>
-      <p:pic>
-        <p:nvPicPr>
-          <p:cNvPr id="15" name="Picture 14">
-            <a:extLst>
-              <a:ext uri="{FF2B5EF4-FFF2-40B4-BE49-F238E27FC236}">
-                <a16:creationId xmlns:a16="http://schemas.microsoft.com/office/drawing/2014/main" id="{D7C1632C-FCDE-4A56-B5B5-A252568CD2EC}"/>
-              </a:ext>
-            </a:extLst>
-          </p:cNvPr>
-          <p:cNvPicPr>
-            <a:picLocks noChangeAspect="1"/>
-          </p:cNvPicPr>
-          <p:nvPr/>
-        </p:nvPicPr>
-        <p:blipFill rotWithShape="1">
-          <a:blip r:embed="rId4"/>
-          <a:srcRect r="32079"/>
-          <a:stretch/>
-        </p:blipFill>
-        <p:spPr>
-          <a:xfrm>
-            <a:off x="7438236" y="1528762"/>
-            <a:ext cx="4729163" cy="2809875"/>
-          </a:xfrm>
-          <a:prstGeom prst="rect">
-            <a:avLst/>
-          </a:prstGeom>
-        </p:spPr>
-      </p:pic>
-      <p:pic>
-        <p:nvPicPr>
-          <p:cNvPr id="16" name="Picture 15">
-            <a:extLst>
-              <a:ext uri="{FF2B5EF4-FFF2-40B4-BE49-F238E27FC236}">
-                <a16:creationId xmlns:a16="http://schemas.microsoft.com/office/drawing/2014/main" id="{35FFCDAA-31B1-44ED-A4D7-AA276E0E7B61}"/>
-              </a:ext>
-            </a:extLst>
-          </p:cNvPr>
-          <p:cNvPicPr>
-            <a:picLocks noChangeAspect="1"/>
-          </p:cNvPicPr>
-          <p:nvPr/>
-        </p:nvPicPr>
-        <p:blipFill rotWithShape="1">
-          <a:blip r:embed="rId5"/>
-          <a:srcRect r="21046"/>
-          <a:stretch/>
-        </p:blipFill>
-        <p:spPr>
-          <a:xfrm>
-            <a:off x="0" y="1452562"/>
-            <a:ext cx="5895975" cy="3248025"/>
-          </a:xfrm>
-          <a:prstGeom prst="rect">
-            <a:avLst/>
-          </a:prstGeom>
-        </p:spPr>
-      </p:pic>
-      <p:pic>
-        <p:nvPicPr>
-          <p:cNvPr id="13" name="Picture 12">
-            <a:extLst>
-              <a:ext uri="{FF2B5EF4-FFF2-40B4-BE49-F238E27FC236}">
-                <a16:creationId xmlns:a16="http://schemas.microsoft.com/office/drawing/2014/main" id="{98ED7D99-9982-49E7-BD7A-E9B5937AA420}"/>
-              </a:ext>
-            </a:extLst>
-          </p:cNvPr>
-          <p:cNvPicPr>
-            <a:picLocks noChangeAspect="1"/>
-          </p:cNvPicPr>
-          <p:nvPr/>
-        </p:nvPicPr>
-        <p:blipFill>
-          <a:blip r:embed="rId6"/>
-          <a:stretch>
-            <a:fillRect/>
-          </a:stretch>
-        </p:blipFill>
-        <p:spPr>
-          <a:xfrm>
-            <a:off x="5738024" y="4890034"/>
-            <a:ext cx="6429375" cy="1847850"/>
-          </a:xfrm>
-          <a:prstGeom prst="rect">
-            <a:avLst/>
-          </a:prstGeom>
-          <a:ln>
-            <a:solidFill>
-              <a:schemeClr val="tx1"/>
-            </a:solidFill>
-          </a:ln>
-        </p:spPr>
-      </p:pic>
-    </p:spTree>
-    <p:extLst>
-      <p:ext uri="{BB962C8B-B14F-4D97-AF65-F5344CB8AC3E}">
-        <p14:creationId xmlns:p14="http://schemas.microsoft.com/office/powerpoint/2010/main" val="711041890"/>
-      </p:ext>
-    </p:extLst>
-  </p:cSld>
-  <p:clrMapOvr>
-    <a:masterClrMapping/>
-  </p:clrMapOvr>
-</p:sld>
-</file>
-
-<file path=ppt/slides/slide12.xml><?xml version="1.0" encoding="utf-8"?>
-<p:sld xmlns:a="http://schemas.openxmlformats.org/drawingml/2006/main" xmlns:r="http://schemas.openxmlformats.org/officeDocument/2006/relationships" xmlns:p="http://schemas.openxmlformats.org/presentationml/2006/main">
-  <p:cSld>
-    <p:spTree>
-      <p:nvGrpSpPr>
-        <p:cNvPr id="1" name=""/>
-        <p:cNvGrpSpPr/>
-        <p:nvPr/>
-      </p:nvGrpSpPr>
-      <p:grpSpPr>
-        <a:xfrm>
-          <a:off x="0" y="0"/>
-          <a:ext cx="0" cy="0"/>
-          <a:chOff x="0" y="0"/>
-          <a:chExt cx="0" cy="0"/>
-        </a:xfrm>
-      </p:grpSpPr>
-      <p:sp>
-        <p:nvSpPr>
-          <p:cNvPr id="4" name="TextBox 3">
-            <a:extLst>
-              <a:ext uri="{FF2B5EF4-FFF2-40B4-BE49-F238E27FC236}">
-                <a16:creationId xmlns:a16="http://schemas.microsoft.com/office/drawing/2014/main" id="{BCC1FD77-FAB1-4463-9C46-EB379A9AE9FC}"/>
-              </a:ext>
-            </a:extLst>
-          </p:cNvPr>
-          <p:cNvSpPr txBox="1"/>
-          <p:nvPr/>
-        </p:nvSpPr>
-        <p:spPr>
-          <a:xfrm>
-            <a:off x="0" y="38040"/>
-            <a:ext cx="12192000" cy="400110"/>
-          </a:xfrm>
-          <a:prstGeom prst="rect">
-            <a:avLst/>
-          </a:prstGeom>
-          <a:noFill/>
-        </p:spPr>
-        <p:txBody>
-          <a:bodyPr wrap="square" rtlCol="0">
-            <a:spAutoFit/>
-          </a:bodyPr>
-          <a:lstStyle/>
-          <a:p>
-            <a:pPr algn="ctr"/>
-            <a:r>
-              <a:rPr lang="en-US" sz="2000" b="0" i="0" dirty="0">
-                <a:solidFill>
-                  <a:srgbClr val="333333"/>
-                </a:solidFill>
-                <a:effectLst/>
-                <a:latin typeface="Helvetica Neue"/>
-              </a:rPr>
-              <a:t>Dirichlet Multinomial Mixtures Community typing</a:t>
-            </a:r>
-          </a:p>
-        </p:txBody>
-      </p:sp>
-      <p:pic>
-        <p:nvPicPr>
-          <p:cNvPr id="8" name="Picture 7" descr="A picture containing table&#10;&#10;Description automatically generated">
-            <a:extLst>
-              <a:ext uri="{FF2B5EF4-FFF2-40B4-BE49-F238E27FC236}">
-                <a16:creationId xmlns:a16="http://schemas.microsoft.com/office/drawing/2014/main" id="{2F25E0F1-CD57-4982-8F5B-95E4CD53417B}"/>
-              </a:ext>
-            </a:extLst>
-          </p:cNvPr>
-          <p:cNvPicPr>
-            <a:picLocks noChangeAspect="1"/>
-          </p:cNvPicPr>
-          <p:nvPr/>
-        </p:nvPicPr>
-        <p:blipFill>
-          <a:blip r:embed="rId2">
-            <a:extLst>
-              <a:ext uri="{28A0092B-C50C-407E-A947-70E740481C1C}">
-                <a14:useLocalDpi xmlns:a14="http://schemas.microsoft.com/office/drawing/2010/main" val="0"/>
-              </a:ext>
-            </a:extLst>
-          </a:blip>
-          <a:stretch>
-            <a:fillRect/>
-          </a:stretch>
-        </p:blipFill>
-        <p:spPr>
-          <a:xfrm>
-            <a:off x="0" y="419100"/>
-            <a:ext cx="6438900" cy="6438900"/>
-          </a:xfrm>
-          <a:prstGeom prst="rect">
-            <a:avLst/>
-          </a:prstGeom>
-        </p:spPr>
-      </p:pic>
-    </p:spTree>
-    <p:extLst>
-      <p:ext uri="{BB962C8B-B14F-4D97-AF65-F5344CB8AC3E}">
-        <p14:creationId xmlns:p14="http://schemas.microsoft.com/office/powerpoint/2010/main" val="3745655191"/>
-      </p:ext>
-    </p:extLst>
-  </p:cSld>
-  <p:clrMapOvr>
-    <a:masterClrMapping/>
-  </p:clrMapOvr>
-</p:sld>
-</file>
-
-<file path=ppt/slides/slide13.xml><?xml version="1.0" encoding="utf-8"?>
-<p:sld xmlns:a="http://schemas.openxmlformats.org/drawingml/2006/main" xmlns:r="http://schemas.openxmlformats.org/officeDocument/2006/relationships" xmlns:p="http://schemas.openxmlformats.org/presentationml/2006/main">
-  <p:cSld>
-    <p:spTree>
-      <p:nvGrpSpPr>
-        <p:cNvPr id="1" name=""/>
-        <p:cNvGrpSpPr/>
-        <p:nvPr/>
-      </p:nvGrpSpPr>
-      <p:grpSpPr>
-        <a:xfrm>
-          <a:off x="0" y="0"/>
-          <a:ext cx="0" cy="0"/>
-          <a:chOff x="0" y="0"/>
-          <a:chExt cx="0" cy="0"/>
-        </a:xfrm>
-      </p:grpSpPr>
-      <p:sp>
-        <p:nvSpPr>
-          <p:cNvPr id="4" name="TextBox 3">
-            <a:extLst>
-              <a:ext uri="{FF2B5EF4-FFF2-40B4-BE49-F238E27FC236}">
-                <a16:creationId xmlns:a16="http://schemas.microsoft.com/office/drawing/2014/main" id="{BCC1FD77-FAB1-4463-9C46-EB379A9AE9FC}"/>
-              </a:ext>
-            </a:extLst>
-          </p:cNvPr>
-          <p:cNvSpPr txBox="1"/>
-          <p:nvPr/>
-        </p:nvSpPr>
-        <p:spPr>
-          <a:xfrm>
-            <a:off x="0" y="38040"/>
-            <a:ext cx="12192000" cy="400110"/>
-          </a:xfrm>
-          <a:prstGeom prst="rect">
-            <a:avLst/>
-          </a:prstGeom>
-          <a:noFill/>
-        </p:spPr>
-        <p:txBody>
-          <a:bodyPr wrap="square" rtlCol="0">
-            <a:spAutoFit/>
-          </a:bodyPr>
-          <a:lstStyle/>
-          <a:p>
-            <a:pPr algn="ctr"/>
-            <a:r>
-              <a:rPr lang="en-US" sz="2000" b="0" i="0" dirty="0">
-                <a:solidFill>
-                  <a:srgbClr val="333333"/>
-                </a:solidFill>
-                <a:effectLst/>
-                <a:latin typeface="Helvetica Neue"/>
-              </a:rPr>
-              <a:t>Dirichlet Multinomial Mixtures Community typing</a:t>
-            </a:r>
-          </a:p>
-        </p:txBody>
-      </p:sp>
-      <p:pic>
-        <p:nvPicPr>
-          <p:cNvPr id="3" name="Picture 2" descr="Graphical user interface&#10;&#10;Description automatically generated">
-            <a:extLst>
-              <a:ext uri="{FF2B5EF4-FFF2-40B4-BE49-F238E27FC236}">
-                <a16:creationId xmlns:a16="http://schemas.microsoft.com/office/drawing/2014/main" id="{55BAF2E6-5A50-4C47-9098-6E8C79CAA2BB}"/>
-              </a:ext>
-            </a:extLst>
-          </p:cNvPr>
-          <p:cNvPicPr>
-            <a:picLocks noChangeAspect="1"/>
-          </p:cNvPicPr>
-          <p:nvPr/>
-        </p:nvPicPr>
-        <p:blipFill>
-          <a:blip r:embed="rId2">
-            <a:extLst>
-              <a:ext uri="{28A0092B-C50C-407E-A947-70E740481C1C}">
-                <a14:useLocalDpi xmlns:a14="http://schemas.microsoft.com/office/drawing/2010/main" val="0"/>
-              </a:ext>
-            </a:extLst>
-          </a:blip>
-          <a:stretch>
-            <a:fillRect/>
-          </a:stretch>
-        </p:blipFill>
-        <p:spPr>
-          <a:xfrm>
-            <a:off x="0" y="381000"/>
-            <a:ext cx="12192000" cy="6096000"/>
-          </a:xfrm>
-          <a:prstGeom prst="rect">
-            <a:avLst/>
-          </a:prstGeom>
-        </p:spPr>
-      </p:pic>
-    </p:spTree>
-    <p:extLst>
-      <p:ext uri="{BB962C8B-B14F-4D97-AF65-F5344CB8AC3E}">
-        <p14:creationId xmlns:p14="http://schemas.microsoft.com/office/powerpoint/2010/main" val="61711871"/>
-      </p:ext>
-    </p:extLst>
-  </p:cSld>
-  <p:clrMapOvr>
-    <a:masterClrMapping/>
-  </p:clrMapOvr>
-</p:sld>
-</file>
-
-<file path=ppt/slides/slide2.xml><?xml version="1.0" encoding="utf-8"?>
-<p:sld xmlns:a="http://schemas.openxmlformats.org/drawingml/2006/main" xmlns:r="http://schemas.openxmlformats.org/officeDocument/2006/relationships" xmlns:p="http://schemas.openxmlformats.org/presentationml/2006/main">
-  <p:cSld>
-    <p:spTree>
-      <p:nvGrpSpPr>
-        <p:cNvPr id="1" name=""/>
-        <p:cNvGrpSpPr/>
-        <p:nvPr/>
-      </p:nvGrpSpPr>
-      <p:grpSpPr>
-        <a:xfrm>
-          <a:off x="0" y="0"/>
-          <a:ext cx="0" cy="0"/>
-          <a:chOff x="0" y="0"/>
-          <a:chExt cx="0" cy="0"/>
-        </a:xfrm>
-      </p:grpSpPr>
       <p:pic>
         <p:nvPicPr>
           <p:cNvPr id="5" name="Picture 4" descr="Chart, bar chart&#10;&#10;Description automatically generated">
@@ -4203,7 +3530,7 @@
           <p:nvPr>
             <p:extLst>
               <p:ext uri="{D42A27DB-BD31-4B8C-83A1-F6EECF244321}">
-                <p14:modId xmlns:p14="http://schemas.microsoft.com/office/powerpoint/2010/main" val="706681995"/>
+                <p14:modId xmlns:p14="http://schemas.microsoft.com/office/powerpoint/2010/main" val="355030801"/>
               </p:ext>
             </p:extLst>
           </p:nvPr>
@@ -4410,14 +3737,14 @@
                     <a:p>
                       <a:pPr algn="ctr" fontAlgn="ctr"/>
                       <a:r>
-                        <a:rPr lang="en-US" sz="1600" b="0" i="0" u="none" strike="noStrike">
+                        <a:rPr lang="en-US" sz="1600" b="0" i="0" u="none" strike="noStrike" dirty="0">
                           <a:solidFill>
                             <a:srgbClr val="000000"/>
                           </a:solidFill>
                           <a:effectLst/>
                           <a:latin typeface="Helvetica Neue"/>
                         </a:rPr>
-                        <a:t>3393</a:t>
+                        <a:t>5533</a:t>
                       </a:r>
                     </a:p>
                   </a:txBody>
@@ -4449,7 +3776,7 @@
                     <a:p>
                       <a:pPr algn="ctr" fontAlgn="ctr"/>
                       <a:r>
-                        <a:rPr lang="en-US" sz="1600" b="0" i="0" u="none" strike="noStrike">
+                        <a:rPr lang="en-US" sz="1600" b="0" i="0" u="none" strike="noStrike" dirty="0">
                           <a:solidFill>
                             <a:srgbClr val="000000"/>
                           </a:solidFill>
@@ -4634,6 +3961,1706 @@
                     <a:p>
                       <a:pPr algn="ctr" fontAlgn="ctr"/>
                       <a:r>
+                        <a:rPr lang="en-US" sz="1600" b="0" i="0" u="none" strike="noStrike" dirty="0">
+                          <a:solidFill>
+                            <a:srgbClr val="000000"/>
+                          </a:solidFill>
+                          <a:effectLst/>
+                          <a:latin typeface="Helvetica Neue"/>
+                        </a:rPr>
+                        <a:t>3470</a:t>
+                      </a:r>
+                    </a:p>
+                  </a:txBody>
+                  <a:tcPr marL="9525" marR="9525" marT="9525" marB="0" anchor="ctr">
+                    <a:lnL>
+                      <a:noFill/>
+                    </a:lnL>
+                    <a:lnR>
+                      <a:noFill/>
+                    </a:lnR>
+                    <a:lnT>
+                      <a:noFill/>
+                    </a:lnT>
+                    <a:lnB>
+                      <a:noFill/>
+                    </a:lnB>
+                  </a:tcPr>
+                </a:tc>
+                <a:tc>
+                  <a:txBody>
+                    <a:bodyPr/>
+                    <a:lstStyle/>
+                    <a:p>
+                      <a:pPr algn="ctr" fontAlgn="ctr"/>
+                      <a:r>
+                        <a:rPr lang="en-US" sz="1600" b="0" i="0" u="none" strike="noStrike" dirty="0">
+                          <a:solidFill>
+                            <a:srgbClr val="000000"/>
+                          </a:solidFill>
+                          <a:effectLst/>
+                          <a:latin typeface="Helvetica Neue"/>
+                        </a:rPr>
+                        <a:t>135</a:t>
+                      </a:r>
+                    </a:p>
+                  </a:txBody>
+                  <a:tcPr marL="9525" marR="9525" marT="9525" marB="0" anchor="ctr">
+                    <a:lnL>
+                      <a:noFill/>
+                    </a:lnL>
+                    <a:lnR>
+                      <a:noFill/>
+                    </a:lnR>
+                    <a:lnT>
+                      <a:noFill/>
+                    </a:lnT>
+                    <a:lnB>
+                      <a:noFill/>
+                    </a:lnB>
+                  </a:tcPr>
+                </a:tc>
+                <a:extLst>
+                  <a:ext uri="{0D108BD9-81ED-4DB2-BD59-A6C34878D82A}">
+                    <a16:rowId xmlns:a16="http://schemas.microsoft.com/office/drawing/2014/main" val="1329089367"/>
+                  </a:ext>
+                </a:extLst>
+              </a:tr>
+              <a:tr h="190500">
+                <a:tc>
+                  <a:txBody>
+                    <a:bodyPr/>
+                    <a:lstStyle/>
+                    <a:p>
+                      <a:pPr algn="r" fontAlgn="ctr"/>
+                      <a:r>
+                        <a:rPr lang="en-US" sz="1600" b="0" i="0" u="none" strike="noStrike" dirty="0">
+                          <a:solidFill>
+                            <a:srgbClr val="000000"/>
+                          </a:solidFill>
+                          <a:effectLst/>
+                          <a:latin typeface="Helvetica Neue"/>
+                        </a:rPr>
+                        <a:t>Agglomerated </a:t>
+                      </a:r>
+                      <a:r>
+                        <a:rPr lang="en-US" sz="1600" b="0" i="0" u="none" strike="noStrike" dirty="0" err="1">
+                          <a:solidFill>
+                            <a:srgbClr val="000000"/>
+                          </a:solidFill>
+                          <a:effectLst/>
+                          <a:latin typeface="Helvetica Neue"/>
+                        </a:rPr>
+                        <a:t>Go_terms</a:t>
+                      </a:r>
+                      <a:r>
+                        <a:rPr lang="en-US" sz="1600" b="0" i="0" u="none" strike="noStrike" dirty="0">
+                          <a:solidFill>
+                            <a:srgbClr val="000000"/>
+                          </a:solidFill>
+                          <a:effectLst/>
+                          <a:latin typeface="Helvetica Neue"/>
+                        </a:rPr>
+                        <a:t> by name</a:t>
+                      </a:r>
+                    </a:p>
+                  </a:txBody>
+                  <a:tcPr marL="9525" marR="9525" marT="9525" marB="0" anchor="ctr">
+                    <a:lnL>
+                      <a:noFill/>
+                    </a:lnL>
+                    <a:lnR>
+                      <a:noFill/>
+                    </a:lnR>
+                    <a:lnT>
+                      <a:noFill/>
+                    </a:lnT>
+                    <a:lnB>
+                      <a:noFill/>
+                    </a:lnB>
+                  </a:tcPr>
+                </a:tc>
+                <a:tc>
+                  <a:txBody>
+                    <a:bodyPr/>
+                    <a:lstStyle/>
+                    <a:p>
+                      <a:pPr algn="ctr" fontAlgn="ctr"/>
+                      <a:r>
+                        <a:rPr lang="en-US" sz="1600" b="0" i="0" u="none" strike="noStrike" dirty="0">
+                          <a:solidFill>
+                            <a:srgbClr val="000000"/>
+                          </a:solidFill>
+                          <a:effectLst/>
+                          <a:latin typeface="Helvetica Neue"/>
+                        </a:rPr>
+                        <a:t>3458</a:t>
+                      </a:r>
+                    </a:p>
+                  </a:txBody>
+                  <a:tcPr marL="9525" marR="9525" marT="9525" marB="0" anchor="ctr">
+                    <a:lnL>
+                      <a:noFill/>
+                    </a:lnL>
+                    <a:lnR>
+                      <a:noFill/>
+                    </a:lnR>
+                    <a:lnT>
+                      <a:noFill/>
+                    </a:lnT>
+                    <a:lnB>
+                      <a:noFill/>
+                    </a:lnB>
+                  </a:tcPr>
+                </a:tc>
+                <a:tc>
+                  <a:txBody>
+                    <a:bodyPr/>
+                    <a:lstStyle/>
+                    <a:p>
+                      <a:pPr algn="ctr" fontAlgn="ctr"/>
+                      <a:r>
+                        <a:rPr lang="en-US" sz="1600" b="0" i="0" u="none" strike="noStrike">
+                          <a:solidFill>
+                            <a:srgbClr val="000000"/>
+                          </a:solidFill>
+                          <a:effectLst/>
+                          <a:latin typeface="Helvetica Neue"/>
+                        </a:rPr>
+                        <a:t>135</a:t>
+                      </a:r>
+                      <a:endParaRPr lang="en-US" sz="1600" b="0" i="0" u="none" strike="noStrike" dirty="0">
+                        <a:solidFill>
+                          <a:srgbClr val="000000"/>
+                        </a:solidFill>
+                        <a:effectLst/>
+                        <a:latin typeface="Helvetica Neue"/>
+                      </a:endParaRPr>
+                    </a:p>
+                  </a:txBody>
+                  <a:tcPr marL="9525" marR="9525" marT="9525" marB="0" anchor="ctr">
+                    <a:lnL>
+                      <a:noFill/>
+                    </a:lnL>
+                    <a:lnR>
+                      <a:noFill/>
+                    </a:lnR>
+                    <a:lnT>
+                      <a:noFill/>
+                    </a:lnT>
+                    <a:lnB>
+                      <a:noFill/>
+                    </a:lnB>
+                  </a:tcPr>
+                </a:tc>
+                <a:extLst>
+                  <a:ext uri="{0D108BD9-81ED-4DB2-BD59-A6C34878D82A}">
+                    <a16:rowId xmlns:a16="http://schemas.microsoft.com/office/drawing/2014/main" val="610967848"/>
+                  </a:ext>
+                </a:extLst>
+              </a:tr>
+            </a:tbl>
+          </a:graphicData>
+        </a:graphic>
+      </p:graphicFrame>
+      <p:pic>
+        <p:nvPicPr>
+          <p:cNvPr id="23" name="Picture 22" descr="Chart, line chart&#10;&#10;Description automatically generated">
+            <a:extLst>
+              <a:ext uri="{FF2B5EF4-FFF2-40B4-BE49-F238E27FC236}">
+                <a16:creationId xmlns:a16="http://schemas.microsoft.com/office/drawing/2014/main" id="{C8234619-EAA4-41AC-94E3-0F1618C68FFC}"/>
+              </a:ext>
+            </a:extLst>
+          </p:cNvPr>
+          <p:cNvPicPr>
+            <a:picLocks noChangeAspect="1"/>
+          </p:cNvPicPr>
+          <p:nvPr/>
+        </p:nvPicPr>
+        <p:blipFill rotWithShape="1">
+          <a:blip r:embed="rId4">
+            <a:extLst>
+              <a:ext uri="{28A0092B-C50C-407E-A947-70E740481C1C}">
+                <a14:useLocalDpi xmlns:a14="http://schemas.microsoft.com/office/drawing/2010/main" val="0"/>
+              </a:ext>
+            </a:extLst>
+          </a:blip>
+          <a:srcRect t="18531"/>
+          <a:stretch/>
+        </p:blipFill>
+        <p:spPr>
+          <a:xfrm>
+            <a:off x="5432665" y="3067090"/>
+            <a:ext cx="6562253" cy="3564147"/>
+          </a:xfrm>
+          <a:prstGeom prst="rect">
+            <a:avLst/>
+          </a:prstGeom>
+        </p:spPr>
+      </p:pic>
+    </p:spTree>
+    <p:extLst>
+      <p:ext uri="{BB962C8B-B14F-4D97-AF65-F5344CB8AC3E}">
+        <p14:creationId xmlns:p14="http://schemas.microsoft.com/office/powerpoint/2010/main" val="3124541833"/>
+      </p:ext>
+    </p:extLst>
+  </p:cSld>
+  <p:clrMapOvr>
+    <a:masterClrMapping/>
+  </p:clrMapOvr>
+</p:sld>
+</file>
+
+<file path=ppt/slides/slide10.xml><?xml version="1.0" encoding="utf-8"?>
+<p:sld xmlns:a="http://schemas.openxmlformats.org/drawingml/2006/main" xmlns:r="http://schemas.openxmlformats.org/officeDocument/2006/relationships" xmlns:p="http://schemas.openxmlformats.org/presentationml/2006/main">
+  <p:cSld>
+    <p:spTree>
+      <p:nvGrpSpPr>
+        <p:cNvPr id="1" name=""/>
+        <p:cNvGrpSpPr/>
+        <p:nvPr/>
+      </p:nvGrpSpPr>
+      <p:grpSpPr>
+        <a:xfrm>
+          <a:off x="0" y="0"/>
+          <a:ext cx="0" cy="0"/>
+          <a:chOff x="0" y="0"/>
+          <a:chExt cx="0" cy="0"/>
+        </a:xfrm>
+      </p:grpSpPr>
+      <p:sp>
+        <p:nvSpPr>
+          <p:cNvPr id="4" name="TextBox 3">
+            <a:extLst>
+              <a:ext uri="{FF2B5EF4-FFF2-40B4-BE49-F238E27FC236}">
+                <a16:creationId xmlns:a16="http://schemas.microsoft.com/office/drawing/2014/main" id="{BCC1FD77-FAB1-4463-9C46-EB379A9AE9FC}"/>
+              </a:ext>
+            </a:extLst>
+          </p:cNvPr>
+          <p:cNvSpPr txBox="1"/>
+          <p:nvPr/>
+        </p:nvSpPr>
+        <p:spPr>
+          <a:xfrm>
+            <a:off x="3239288" y="177266"/>
+            <a:ext cx="5713424" cy="400110"/>
+          </a:xfrm>
+          <a:prstGeom prst="rect">
+            <a:avLst/>
+          </a:prstGeom>
+          <a:noFill/>
+        </p:spPr>
+        <p:txBody>
+          <a:bodyPr wrap="none" rtlCol="0">
+            <a:spAutoFit/>
+          </a:bodyPr>
+          <a:lstStyle/>
+          <a:p>
+            <a:pPr algn="ctr"/>
+            <a:r>
+              <a:rPr lang="en-US" sz="2000" b="0" i="0" dirty="0">
+                <a:solidFill>
+                  <a:srgbClr val="333333"/>
+                </a:solidFill>
+                <a:effectLst/>
+                <a:latin typeface="Helvetica Neue"/>
+              </a:rPr>
+              <a:t>Dirichlet Multinomial Mixtures Community typing</a:t>
+            </a:r>
+          </a:p>
+        </p:txBody>
+      </p:sp>
+      <p:pic>
+        <p:nvPicPr>
+          <p:cNvPr id="5" name="Picture 4" descr="Chart, scatter chart&#10;&#10;Description automatically generated">
+            <a:extLst>
+              <a:ext uri="{FF2B5EF4-FFF2-40B4-BE49-F238E27FC236}">
+                <a16:creationId xmlns:a16="http://schemas.microsoft.com/office/drawing/2014/main" id="{8F28D465-3C5B-40F6-A123-8AB7C99B4730}"/>
+              </a:ext>
+            </a:extLst>
+          </p:cNvPr>
+          <p:cNvPicPr>
+            <a:picLocks noChangeAspect="1"/>
+          </p:cNvPicPr>
+          <p:nvPr/>
+        </p:nvPicPr>
+        <p:blipFill rotWithShape="1">
+          <a:blip r:embed="rId2">
+            <a:extLst>
+              <a:ext uri="{28A0092B-C50C-407E-A947-70E740481C1C}">
+                <a14:useLocalDpi xmlns:a14="http://schemas.microsoft.com/office/drawing/2010/main" val="0"/>
+              </a:ext>
+            </a:extLst>
+          </a:blip>
+          <a:srcRect t="23758"/>
+          <a:stretch/>
+        </p:blipFill>
+        <p:spPr>
+          <a:xfrm>
+            <a:off x="70786" y="24583"/>
+            <a:ext cx="1641835" cy="1251767"/>
+          </a:xfrm>
+          <a:prstGeom prst="rect">
+            <a:avLst/>
+          </a:prstGeom>
+        </p:spPr>
+      </p:pic>
+      <p:pic>
+        <p:nvPicPr>
+          <p:cNvPr id="7" name="Picture 6" descr="Chart, treemap chart&#10;&#10;Description automatically generated">
+            <a:extLst>
+              <a:ext uri="{FF2B5EF4-FFF2-40B4-BE49-F238E27FC236}">
+                <a16:creationId xmlns:a16="http://schemas.microsoft.com/office/drawing/2014/main" id="{9B75E63E-AC0A-4163-BFAC-DE59BAD996AB}"/>
+              </a:ext>
+            </a:extLst>
+          </p:cNvPr>
+          <p:cNvPicPr>
+            <a:picLocks noChangeAspect="1"/>
+          </p:cNvPicPr>
+          <p:nvPr/>
+        </p:nvPicPr>
+        <p:blipFill>
+          <a:blip r:embed="rId3">
+            <a:extLst>
+              <a:ext uri="{28A0092B-C50C-407E-A947-70E740481C1C}">
+                <a14:useLocalDpi xmlns:a14="http://schemas.microsoft.com/office/drawing/2010/main" val="0"/>
+              </a:ext>
+            </a:extLst>
+          </a:blip>
+          <a:stretch>
+            <a:fillRect/>
+          </a:stretch>
+        </p:blipFill>
+        <p:spPr>
+          <a:xfrm>
+            <a:off x="689618" y="1142202"/>
+            <a:ext cx="11431595" cy="5715798"/>
+          </a:xfrm>
+          <a:prstGeom prst="rect">
+            <a:avLst/>
+          </a:prstGeom>
+        </p:spPr>
+      </p:pic>
+    </p:spTree>
+    <p:extLst>
+      <p:ext uri="{BB962C8B-B14F-4D97-AF65-F5344CB8AC3E}">
+        <p14:creationId xmlns:p14="http://schemas.microsoft.com/office/powerpoint/2010/main" val="3874893979"/>
+      </p:ext>
+    </p:extLst>
+  </p:cSld>
+  <p:clrMapOvr>
+    <a:masterClrMapping/>
+  </p:clrMapOvr>
+</p:sld>
+</file>
+
+<file path=ppt/slides/slide11.xml><?xml version="1.0" encoding="utf-8"?>
+<p:sld xmlns:a="http://schemas.openxmlformats.org/drawingml/2006/main" xmlns:r="http://schemas.openxmlformats.org/officeDocument/2006/relationships" xmlns:p="http://schemas.openxmlformats.org/presentationml/2006/main">
+  <p:cSld>
+    <p:spTree>
+      <p:nvGrpSpPr>
+        <p:cNvPr id="1" name=""/>
+        <p:cNvGrpSpPr/>
+        <p:nvPr/>
+      </p:nvGrpSpPr>
+      <p:grpSpPr>
+        <a:xfrm>
+          <a:off x="0" y="0"/>
+          <a:ext cx="0" cy="0"/>
+          <a:chOff x="0" y="0"/>
+          <a:chExt cx="0" cy="0"/>
+        </a:xfrm>
+      </p:grpSpPr>
+      <p:sp>
+        <p:nvSpPr>
+          <p:cNvPr id="4" name="TextBox 3">
+            <a:extLst>
+              <a:ext uri="{FF2B5EF4-FFF2-40B4-BE49-F238E27FC236}">
+                <a16:creationId xmlns:a16="http://schemas.microsoft.com/office/drawing/2014/main" id="{BCC1FD77-FAB1-4463-9C46-EB379A9AE9FC}"/>
+              </a:ext>
+            </a:extLst>
+          </p:cNvPr>
+          <p:cNvSpPr txBox="1"/>
+          <p:nvPr/>
+        </p:nvSpPr>
+        <p:spPr>
+          <a:xfrm>
+            <a:off x="3239288" y="177266"/>
+            <a:ext cx="5713424" cy="400110"/>
+          </a:xfrm>
+          <a:prstGeom prst="rect">
+            <a:avLst/>
+          </a:prstGeom>
+          <a:noFill/>
+        </p:spPr>
+        <p:txBody>
+          <a:bodyPr wrap="none" rtlCol="0">
+            <a:spAutoFit/>
+          </a:bodyPr>
+          <a:lstStyle/>
+          <a:p>
+            <a:pPr algn="ctr"/>
+            <a:r>
+              <a:rPr lang="en-US" sz="2000" b="0" i="0" dirty="0">
+                <a:solidFill>
+                  <a:srgbClr val="333333"/>
+                </a:solidFill>
+                <a:effectLst/>
+                <a:latin typeface="Helvetica Neue"/>
+              </a:rPr>
+              <a:t>Dirichlet Multinomial Mixtures Community typing</a:t>
+            </a:r>
+          </a:p>
+        </p:txBody>
+      </p:sp>
+      <p:pic>
+        <p:nvPicPr>
+          <p:cNvPr id="5" name="Picture 4" descr="Chart, scatter chart&#10;&#10;Description automatically generated">
+            <a:extLst>
+              <a:ext uri="{FF2B5EF4-FFF2-40B4-BE49-F238E27FC236}">
+                <a16:creationId xmlns:a16="http://schemas.microsoft.com/office/drawing/2014/main" id="{8F28D465-3C5B-40F6-A123-8AB7C99B4730}"/>
+              </a:ext>
+            </a:extLst>
+          </p:cNvPr>
+          <p:cNvPicPr>
+            <a:picLocks noChangeAspect="1"/>
+          </p:cNvPicPr>
+          <p:nvPr/>
+        </p:nvPicPr>
+        <p:blipFill rotWithShape="1">
+          <a:blip r:embed="rId2">
+            <a:extLst>
+              <a:ext uri="{28A0092B-C50C-407E-A947-70E740481C1C}">
+                <a14:useLocalDpi xmlns:a14="http://schemas.microsoft.com/office/drawing/2010/main" val="0"/>
+              </a:ext>
+            </a:extLst>
+          </a:blip>
+          <a:srcRect t="23758"/>
+          <a:stretch/>
+        </p:blipFill>
+        <p:spPr>
+          <a:xfrm>
+            <a:off x="70786" y="24583"/>
+            <a:ext cx="1641835" cy="1251767"/>
+          </a:xfrm>
+          <a:prstGeom prst="rect">
+            <a:avLst/>
+          </a:prstGeom>
+        </p:spPr>
+      </p:pic>
+      <p:pic>
+        <p:nvPicPr>
+          <p:cNvPr id="2" name="Picture 1">
+            <a:extLst>
+              <a:ext uri="{FF2B5EF4-FFF2-40B4-BE49-F238E27FC236}">
+                <a16:creationId xmlns:a16="http://schemas.microsoft.com/office/drawing/2014/main" id="{31B1021C-C530-4DE1-A834-0DB26FE88277}"/>
+              </a:ext>
+            </a:extLst>
+          </p:cNvPr>
+          <p:cNvPicPr>
+            <a:picLocks noChangeAspect="1"/>
+          </p:cNvPicPr>
+          <p:nvPr/>
+        </p:nvPicPr>
+        <p:blipFill>
+          <a:blip r:embed="rId3"/>
+          <a:stretch>
+            <a:fillRect/>
+          </a:stretch>
+        </p:blipFill>
+        <p:spPr>
+          <a:xfrm>
+            <a:off x="1548183" y="0"/>
+            <a:ext cx="9095633" cy="6858000"/>
+          </a:xfrm>
+          <a:prstGeom prst="rect">
+            <a:avLst/>
+          </a:prstGeom>
+        </p:spPr>
+      </p:pic>
+    </p:spTree>
+    <p:extLst>
+      <p:ext uri="{BB962C8B-B14F-4D97-AF65-F5344CB8AC3E}">
+        <p14:creationId xmlns:p14="http://schemas.microsoft.com/office/powerpoint/2010/main" val="4063503292"/>
+      </p:ext>
+    </p:extLst>
+  </p:cSld>
+  <p:clrMapOvr>
+    <a:masterClrMapping/>
+  </p:clrMapOvr>
+</p:sld>
+</file>
+
+<file path=ppt/slides/slide12.xml><?xml version="1.0" encoding="utf-8"?>
+<p:sld xmlns:a="http://schemas.openxmlformats.org/drawingml/2006/main" xmlns:r="http://schemas.openxmlformats.org/officeDocument/2006/relationships" xmlns:p="http://schemas.openxmlformats.org/presentationml/2006/main">
+  <p:cSld>
+    <p:spTree>
+      <p:nvGrpSpPr>
+        <p:cNvPr id="1" name=""/>
+        <p:cNvGrpSpPr/>
+        <p:nvPr/>
+      </p:nvGrpSpPr>
+      <p:grpSpPr>
+        <a:xfrm>
+          <a:off x="0" y="0"/>
+          <a:ext cx="0" cy="0"/>
+          <a:chOff x="0" y="0"/>
+          <a:chExt cx="0" cy="0"/>
+        </a:xfrm>
+      </p:grpSpPr>
+      <p:sp>
+        <p:nvSpPr>
+          <p:cNvPr id="4" name="TextBox 3">
+            <a:extLst>
+              <a:ext uri="{FF2B5EF4-FFF2-40B4-BE49-F238E27FC236}">
+                <a16:creationId xmlns:a16="http://schemas.microsoft.com/office/drawing/2014/main" id="{BCC1FD77-FAB1-4463-9C46-EB379A9AE9FC}"/>
+              </a:ext>
+            </a:extLst>
+          </p:cNvPr>
+          <p:cNvSpPr txBox="1"/>
+          <p:nvPr/>
+        </p:nvSpPr>
+        <p:spPr>
+          <a:xfrm>
+            <a:off x="3239288" y="177266"/>
+            <a:ext cx="5713424" cy="400110"/>
+          </a:xfrm>
+          <a:prstGeom prst="rect">
+            <a:avLst/>
+          </a:prstGeom>
+          <a:noFill/>
+        </p:spPr>
+        <p:txBody>
+          <a:bodyPr wrap="none" rtlCol="0">
+            <a:spAutoFit/>
+          </a:bodyPr>
+          <a:lstStyle/>
+          <a:p>
+            <a:pPr algn="ctr"/>
+            <a:r>
+              <a:rPr lang="en-US" sz="2000" b="0" i="0" dirty="0">
+                <a:solidFill>
+                  <a:srgbClr val="333333"/>
+                </a:solidFill>
+                <a:effectLst/>
+                <a:latin typeface="Helvetica Neue"/>
+              </a:rPr>
+              <a:t>Dirichlet Multinomial Mixtures Community typing</a:t>
+            </a:r>
+          </a:p>
+        </p:txBody>
+      </p:sp>
+      <p:pic>
+        <p:nvPicPr>
+          <p:cNvPr id="5" name="Picture 4" descr="Chart, scatter chart&#10;&#10;Description automatically generated">
+            <a:extLst>
+              <a:ext uri="{FF2B5EF4-FFF2-40B4-BE49-F238E27FC236}">
+                <a16:creationId xmlns:a16="http://schemas.microsoft.com/office/drawing/2014/main" id="{8F28D465-3C5B-40F6-A123-8AB7C99B4730}"/>
+              </a:ext>
+            </a:extLst>
+          </p:cNvPr>
+          <p:cNvPicPr>
+            <a:picLocks noChangeAspect="1"/>
+          </p:cNvPicPr>
+          <p:nvPr/>
+        </p:nvPicPr>
+        <p:blipFill rotWithShape="1">
+          <a:blip r:embed="rId2">
+            <a:extLst>
+              <a:ext uri="{28A0092B-C50C-407E-A947-70E740481C1C}">
+                <a14:useLocalDpi xmlns:a14="http://schemas.microsoft.com/office/drawing/2010/main" val="0"/>
+              </a:ext>
+            </a:extLst>
+          </a:blip>
+          <a:srcRect t="23758"/>
+          <a:stretch/>
+        </p:blipFill>
+        <p:spPr>
+          <a:xfrm>
+            <a:off x="70786" y="24583"/>
+            <a:ext cx="1641835" cy="1251767"/>
+          </a:xfrm>
+          <a:prstGeom prst="rect">
+            <a:avLst/>
+          </a:prstGeom>
+        </p:spPr>
+      </p:pic>
+      <p:pic>
+        <p:nvPicPr>
+          <p:cNvPr id="14" name="Picture 13">
+            <a:extLst>
+              <a:ext uri="{FF2B5EF4-FFF2-40B4-BE49-F238E27FC236}">
+                <a16:creationId xmlns:a16="http://schemas.microsoft.com/office/drawing/2014/main" id="{620E8C48-DF4B-4DB0-A753-1A1B6BF5B713}"/>
+              </a:ext>
+            </a:extLst>
+          </p:cNvPr>
+          <p:cNvPicPr>
+            <a:picLocks noChangeAspect="1"/>
+          </p:cNvPicPr>
+          <p:nvPr/>
+        </p:nvPicPr>
+        <p:blipFill rotWithShape="1">
+          <a:blip r:embed="rId3"/>
+          <a:srcRect l="3868" r="24443"/>
+          <a:stretch/>
+        </p:blipFill>
+        <p:spPr>
+          <a:xfrm>
+            <a:off x="0" y="5147209"/>
+            <a:ext cx="5824538" cy="1533525"/>
+          </a:xfrm>
+          <a:prstGeom prst="rect">
+            <a:avLst/>
+          </a:prstGeom>
+        </p:spPr>
+      </p:pic>
+      <p:pic>
+        <p:nvPicPr>
+          <p:cNvPr id="15" name="Picture 14">
+            <a:extLst>
+              <a:ext uri="{FF2B5EF4-FFF2-40B4-BE49-F238E27FC236}">
+                <a16:creationId xmlns:a16="http://schemas.microsoft.com/office/drawing/2014/main" id="{D7C1632C-FCDE-4A56-B5B5-A252568CD2EC}"/>
+              </a:ext>
+            </a:extLst>
+          </p:cNvPr>
+          <p:cNvPicPr>
+            <a:picLocks noChangeAspect="1"/>
+          </p:cNvPicPr>
+          <p:nvPr/>
+        </p:nvPicPr>
+        <p:blipFill rotWithShape="1">
+          <a:blip r:embed="rId4"/>
+          <a:srcRect r="32079"/>
+          <a:stretch/>
+        </p:blipFill>
+        <p:spPr>
+          <a:xfrm>
+            <a:off x="7438236" y="1528762"/>
+            <a:ext cx="4729163" cy="2809875"/>
+          </a:xfrm>
+          <a:prstGeom prst="rect">
+            <a:avLst/>
+          </a:prstGeom>
+        </p:spPr>
+      </p:pic>
+      <p:pic>
+        <p:nvPicPr>
+          <p:cNvPr id="16" name="Picture 15">
+            <a:extLst>
+              <a:ext uri="{FF2B5EF4-FFF2-40B4-BE49-F238E27FC236}">
+                <a16:creationId xmlns:a16="http://schemas.microsoft.com/office/drawing/2014/main" id="{35FFCDAA-31B1-44ED-A4D7-AA276E0E7B61}"/>
+              </a:ext>
+            </a:extLst>
+          </p:cNvPr>
+          <p:cNvPicPr>
+            <a:picLocks noChangeAspect="1"/>
+          </p:cNvPicPr>
+          <p:nvPr/>
+        </p:nvPicPr>
+        <p:blipFill rotWithShape="1">
+          <a:blip r:embed="rId5"/>
+          <a:srcRect r="21046"/>
+          <a:stretch/>
+        </p:blipFill>
+        <p:spPr>
+          <a:xfrm>
+            <a:off x="0" y="1452562"/>
+            <a:ext cx="5895975" cy="3248025"/>
+          </a:xfrm>
+          <a:prstGeom prst="rect">
+            <a:avLst/>
+          </a:prstGeom>
+        </p:spPr>
+      </p:pic>
+      <p:pic>
+        <p:nvPicPr>
+          <p:cNvPr id="13" name="Picture 12">
+            <a:extLst>
+              <a:ext uri="{FF2B5EF4-FFF2-40B4-BE49-F238E27FC236}">
+                <a16:creationId xmlns:a16="http://schemas.microsoft.com/office/drawing/2014/main" id="{98ED7D99-9982-49E7-BD7A-E9B5937AA420}"/>
+              </a:ext>
+            </a:extLst>
+          </p:cNvPr>
+          <p:cNvPicPr>
+            <a:picLocks noChangeAspect="1"/>
+          </p:cNvPicPr>
+          <p:nvPr/>
+        </p:nvPicPr>
+        <p:blipFill>
+          <a:blip r:embed="rId6"/>
+          <a:stretch>
+            <a:fillRect/>
+          </a:stretch>
+        </p:blipFill>
+        <p:spPr>
+          <a:xfrm>
+            <a:off x="5738024" y="4890034"/>
+            <a:ext cx="6429375" cy="1847850"/>
+          </a:xfrm>
+          <a:prstGeom prst="rect">
+            <a:avLst/>
+          </a:prstGeom>
+          <a:ln>
+            <a:solidFill>
+              <a:schemeClr val="tx1"/>
+            </a:solidFill>
+          </a:ln>
+        </p:spPr>
+      </p:pic>
+    </p:spTree>
+    <p:extLst>
+      <p:ext uri="{BB962C8B-B14F-4D97-AF65-F5344CB8AC3E}">
+        <p14:creationId xmlns:p14="http://schemas.microsoft.com/office/powerpoint/2010/main" val="711041890"/>
+      </p:ext>
+    </p:extLst>
+  </p:cSld>
+  <p:clrMapOvr>
+    <a:masterClrMapping/>
+  </p:clrMapOvr>
+</p:sld>
+</file>
+
+<file path=ppt/slides/slide13.xml><?xml version="1.0" encoding="utf-8"?>
+<p:sld xmlns:a="http://schemas.openxmlformats.org/drawingml/2006/main" xmlns:r="http://schemas.openxmlformats.org/officeDocument/2006/relationships" xmlns:p="http://schemas.openxmlformats.org/presentationml/2006/main">
+  <p:cSld>
+    <p:spTree>
+      <p:nvGrpSpPr>
+        <p:cNvPr id="1" name=""/>
+        <p:cNvGrpSpPr/>
+        <p:nvPr/>
+      </p:nvGrpSpPr>
+      <p:grpSpPr>
+        <a:xfrm>
+          <a:off x="0" y="0"/>
+          <a:ext cx="0" cy="0"/>
+          <a:chOff x="0" y="0"/>
+          <a:chExt cx="0" cy="0"/>
+        </a:xfrm>
+      </p:grpSpPr>
+      <p:sp>
+        <p:nvSpPr>
+          <p:cNvPr id="4" name="TextBox 3">
+            <a:extLst>
+              <a:ext uri="{FF2B5EF4-FFF2-40B4-BE49-F238E27FC236}">
+                <a16:creationId xmlns:a16="http://schemas.microsoft.com/office/drawing/2014/main" id="{BCC1FD77-FAB1-4463-9C46-EB379A9AE9FC}"/>
+              </a:ext>
+            </a:extLst>
+          </p:cNvPr>
+          <p:cNvSpPr txBox="1"/>
+          <p:nvPr/>
+        </p:nvSpPr>
+        <p:spPr>
+          <a:xfrm>
+            <a:off x="0" y="38040"/>
+            <a:ext cx="12192000" cy="400110"/>
+          </a:xfrm>
+          <a:prstGeom prst="rect">
+            <a:avLst/>
+          </a:prstGeom>
+          <a:noFill/>
+        </p:spPr>
+        <p:txBody>
+          <a:bodyPr wrap="square" rtlCol="0">
+            <a:spAutoFit/>
+          </a:bodyPr>
+          <a:lstStyle/>
+          <a:p>
+            <a:pPr algn="ctr"/>
+            <a:r>
+              <a:rPr lang="en-US" sz="2000" b="0" i="0" dirty="0">
+                <a:solidFill>
+                  <a:srgbClr val="333333"/>
+                </a:solidFill>
+                <a:effectLst/>
+                <a:latin typeface="Helvetica Neue"/>
+              </a:rPr>
+              <a:t>Dirichlet Multinomial Mixtures Community typing</a:t>
+            </a:r>
+          </a:p>
+        </p:txBody>
+      </p:sp>
+      <p:pic>
+        <p:nvPicPr>
+          <p:cNvPr id="8" name="Picture 7" descr="A picture containing table&#10;&#10;Description automatically generated">
+            <a:extLst>
+              <a:ext uri="{FF2B5EF4-FFF2-40B4-BE49-F238E27FC236}">
+                <a16:creationId xmlns:a16="http://schemas.microsoft.com/office/drawing/2014/main" id="{2F25E0F1-CD57-4982-8F5B-95E4CD53417B}"/>
+              </a:ext>
+            </a:extLst>
+          </p:cNvPr>
+          <p:cNvPicPr>
+            <a:picLocks noChangeAspect="1"/>
+          </p:cNvPicPr>
+          <p:nvPr/>
+        </p:nvPicPr>
+        <p:blipFill>
+          <a:blip r:embed="rId2">
+            <a:extLst>
+              <a:ext uri="{28A0092B-C50C-407E-A947-70E740481C1C}">
+                <a14:useLocalDpi xmlns:a14="http://schemas.microsoft.com/office/drawing/2010/main" val="0"/>
+              </a:ext>
+            </a:extLst>
+          </a:blip>
+          <a:stretch>
+            <a:fillRect/>
+          </a:stretch>
+        </p:blipFill>
+        <p:spPr>
+          <a:xfrm>
+            <a:off x="0" y="419100"/>
+            <a:ext cx="6438900" cy="6438900"/>
+          </a:xfrm>
+          <a:prstGeom prst="rect">
+            <a:avLst/>
+          </a:prstGeom>
+        </p:spPr>
+      </p:pic>
+    </p:spTree>
+    <p:extLst>
+      <p:ext uri="{BB962C8B-B14F-4D97-AF65-F5344CB8AC3E}">
+        <p14:creationId xmlns:p14="http://schemas.microsoft.com/office/powerpoint/2010/main" val="3745655191"/>
+      </p:ext>
+    </p:extLst>
+  </p:cSld>
+  <p:clrMapOvr>
+    <a:masterClrMapping/>
+  </p:clrMapOvr>
+</p:sld>
+</file>
+
+<file path=ppt/slides/slide14.xml><?xml version="1.0" encoding="utf-8"?>
+<p:sld xmlns:a="http://schemas.openxmlformats.org/drawingml/2006/main" xmlns:r="http://schemas.openxmlformats.org/officeDocument/2006/relationships" xmlns:p="http://schemas.openxmlformats.org/presentationml/2006/main">
+  <p:cSld>
+    <p:spTree>
+      <p:nvGrpSpPr>
+        <p:cNvPr id="1" name=""/>
+        <p:cNvGrpSpPr/>
+        <p:nvPr/>
+      </p:nvGrpSpPr>
+      <p:grpSpPr>
+        <a:xfrm>
+          <a:off x="0" y="0"/>
+          <a:ext cx="0" cy="0"/>
+          <a:chOff x="0" y="0"/>
+          <a:chExt cx="0" cy="0"/>
+        </a:xfrm>
+      </p:grpSpPr>
+      <p:sp>
+        <p:nvSpPr>
+          <p:cNvPr id="4" name="TextBox 3">
+            <a:extLst>
+              <a:ext uri="{FF2B5EF4-FFF2-40B4-BE49-F238E27FC236}">
+                <a16:creationId xmlns:a16="http://schemas.microsoft.com/office/drawing/2014/main" id="{BCC1FD77-FAB1-4463-9C46-EB379A9AE9FC}"/>
+              </a:ext>
+            </a:extLst>
+          </p:cNvPr>
+          <p:cNvSpPr txBox="1"/>
+          <p:nvPr/>
+        </p:nvSpPr>
+        <p:spPr>
+          <a:xfrm>
+            <a:off x="0" y="38040"/>
+            <a:ext cx="12192000" cy="400110"/>
+          </a:xfrm>
+          <a:prstGeom prst="rect">
+            <a:avLst/>
+          </a:prstGeom>
+          <a:noFill/>
+        </p:spPr>
+        <p:txBody>
+          <a:bodyPr wrap="square" rtlCol="0">
+            <a:spAutoFit/>
+          </a:bodyPr>
+          <a:lstStyle/>
+          <a:p>
+            <a:pPr algn="ctr"/>
+            <a:r>
+              <a:rPr lang="en-US" sz="2000" b="0" i="0" dirty="0">
+                <a:solidFill>
+                  <a:srgbClr val="333333"/>
+                </a:solidFill>
+                <a:effectLst/>
+                <a:latin typeface="Helvetica Neue"/>
+              </a:rPr>
+              <a:t>Dirichlet Multinomial Mixtures Community typing</a:t>
+            </a:r>
+          </a:p>
+        </p:txBody>
+      </p:sp>
+      <p:pic>
+        <p:nvPicPr>
+          <p:cNvPr id="3" name="Picture 2" descr="Graphical user interface&#10;&#10;Description automatically generated">
+            <a:extLst>
+              <a:ext uri="{FF2B5EF4-FFF2-40B4-BE49-F238E27FC236}">
+                <a16:creationId xmlns:a16="http://schemas.microsoft.com/office/drawing/2014/main" id="{55BAF2E6-5A50-4C47-9098-6E8C79CAA2BB}"/>
+              </a:ext>
+            </a:extLst>
+          </p:cNvPr>
+          <p:cNvPicPr>
+            <a:picLocks noChangeAspect="1"/>
+          </p:cNvPicPr>
+          <p:nvPr/>
+        </p:nvPicPr>
+        <p:blipFill>
+          <a:blip r:embed="rId2">
+            <a:extLst>
+              <a:ext uri="{28A0092B-C50C-407E-A947-70E740481C1C}">
+                <a14:useLocalDpi xmlns:a14="http://schemas.microsoft.com/office/drawing/2010/main" val="0"/>
+              </a:ext>
+            </a:extLst>
+          </a:blip>
+          <a:stretch>
+            <a:fillRect/>
+          </a:stretch>
+        </p:blipFill>
+        <p:spPr>
+          <a:xfrm>
+            <a:off x="0" y="381000"/>
+            <a:ext cx="12192000" cy="6096000"/>
+          </a:xfrm>
+          <a:prstGeom prst="rect">
+            <a:avLst/>
+          </a:prstGeom>
+        </p:spPr>
+      </p:pic>
+    </p:spTree>
+    <p:extLst>
+      <p:ext uri="{BB962C8B-B14F-4D97-AF65-F5344CB8AC3E}">
+        <p14:creationId xmlns:p14="http://schemas.microsoft.com/office/powerpoint/2010/main" val="61711871"/>
+      </p:ext>
+    </p:extLst>
+  </p:cSld>
+  <p:clrMapOvr>
+    <a:masterClrMapping/>
+  </p:clrMapOvr>
+</p:sld>
+</file>
+
+<file path=ppt/slides/slide2.xml><?xml version="1.0" encoding="utf-8"?>
+<p:sld xmlns:a="http://schemas.openxmlformats.org/drawingml/2006/main" xmlns:r="http://schemas.openxmlformats.org/officeDocument/2006/relationships" xmlns:p="http://schemas.openxmlformats.org/presentationml/2006/main">
+  <p:cSld>
+    <p:spTree>
+      <p:nvGrpSpPr>
+        <p:cNvPr id="1" name=""/>
+        <p:cNvGrpSpPr/>
+        <p:nvPr/>
+      </p:nvGrpSpPr>
+      <p:grpSpPr>
+        <a:xfrm>
+          <a:off x="0" y="0"/>
+          <a:ext cx="0" cy="0"/>
+          <a:chOff x="0" y="0"/>
+          <a:chExt cx="0" cy="0"/>
+        </a:xfrm>
+      </p:grpSpPr>
+      <p:sp>
+        <p:nvSpPr>
+          <p:cNvPr id="2" name="Title 1">
+            <a:extLst>
+              <a:ext uri="{FF2B5EF4-FFF2-40B4-BE49-F238E27FC236}">
+                <a16:creationId xmlns:a16="http://schemas.microsoft.com/office/drawing/2014/main" id="{20521BFD-BBEE-4FDA-BBEA-8F1A6E4884C0}"/>
+              </a:ext>
+            </a:extLst>
+          </p:cNvPr>
+          <p:cNvSpPr>
+            <a:spLocks noGrp="1"/>
+          </p:cNvSpPr>
+          <p:nvPr>
+            <p:ph type="ctrTitle"/>
+          </p:nvPr>
+        </p:nvSpPr>
+        <p:spPr/>
+        <p:txBody>
+          <a:bodyPr/>
+          <a:lstStyle/>
+          <a:p>
+            <a:r>
+              <a:rPr lang="en-US" dirty="0"/>
+              <a:t>Go term visualizations</a:t>
+            </a:r>
+          </a:p>
+        </p:txBody>
+      </p:sp>
+      <p:sp>
+        <p:nvSpPr>
+          <p:cNvPr id="3" name="Subtitle 2">
+            <a:extLst>
+              <a:ext uri="{FF2B5EF4-FFF2-40B4-BE49-F238E27FC236}">
+                <a16:creationId xmlns:a16="http://schemas.microsoft.com/office/drawing/2014/main" id="{2CCC5B1D-2D7F-4672-8E00-371F37FE7D2A}"/>
+              </a:ext>
+            </a:extLst>
+          </p:cNvPr>
+          <p:cNvSpPr>
+            <a:spLocks noGrp="1"/>
+          </p:cNvSpPr>
+          <p:nvPr>
+            <p:ph type="subTitle" idx="1"/>
+          </p:nvPr>
+        </p:nvSpPr>
+        <p:spPr/>
+        <p:txBody>
+          <a:bodyPr/>
+          <a:lstStyle/>
+          <a:p>
+            <a:r>
+              <a:rPr lang="en-US" dirty="0"/>
+              <a:t>Jochum, Michael D.</a:t>
+            </a:r>
+          </a:p>
+          <a:p>
+            <a:r>
+              <a:rPr lang="en-US" dirty="0"/>
+              <a:t>2 November 2020</a:t>
+            </a:r>
+          </a:p>
+        </p:txBody>
+      </p:sp>
+    </p:spTree>
+    <p:extLst>
+      <p:ext uri="{BB962C8B-B14F-4D97-AF65-F5344CB8AC3E}">
+        <p14:creationId xmlns:p14="http://schemas.microsoft.com/office/powerpoint/2010/main" val="2551513583"/>
+      </p:ext>
+    </p:extLst>
+  </p:cSld>
+  <p:clrMapOvr>
+    <a:masterClrMapping/>
+  </p:clrMapOvr>
+</p:sld>
+</file>
+
+<file path=ppt/slides/slide3.xml><?xml version="1.0" encoding="utf-8"?>
+<p:sld xmlns:a="http://schemas.openxmlformats.org/drawingml/2006/main" xmlns:r="http://schemas.openxmlformats.org/officeDocument/2006/relationships" xmlns:p="http://schemas.openxmlformats.org/presentationml/2006/main">
+  <p:cSld>
+    <p:spTree>
+      <p:nvGrpSpPr>
+        <p:cNvPr id="1" name=""/>
+        <p:cNvGrpSpPr/>
+        <p:nvPr/>
+      </p:nvGrpSpPr>
+      <p:grpSpPr>
+        <a:xfrm>
+          <a:off x="0" y="0"/>
+          <a:ext cx="0" cy="0"/>
+          <a:chOff x="0" y="0"/>
+          <a:chExt cx="0" cy="0"/>
+        </a:xfrm>
+      </p:grpSpPr>
+      <p:pic>
+        <p:nvPicPr>
+          <p:cNvPr id="5" name="Picture 4" descr="Chart, bar chart&#10;&#10;Description automatically generated">
+            <a:extLst>
+              <a:ext uri="{FF2B5EF4-FFF2-40B4-BE49-F238E27FC236}">
+                <a16:creationId xmlns:a16="http://schemas.microsoft.com/office/drawing/2014/main" id="{420F4F7C-B81B-46CE-B196-45D96F8AA372}"/>
+              </a:ext>
+            </a:extLst>
+          </p:cNvPr>
+          <p:cNvPicPr>
+            <a:picLocks noChangeAspect="1"/>
+          </p:cNvPicPr>
+          <p:nvPr/>
+        </p:nvPicPr>
+        <p:blipFill rotWithShape="1">
+          <a:blip r:embed="rId2">
+            <a:extLst>
+              <a:ext uri="{28A0092B-C50C-407E-A947-70E740481C1C}">
+                <a14:useLocalDpi xmlns:a14="http://schemas.microsoft.com/office/drawing/2010/main" val="0"/>
+              </a:ext>
+            </a:extLst>
+          </a:blip>
+          <a:srcRect b="5792"/>
+          <a:stretch/>
+        </p:blipFill>
+        <p:spPr>
+          <a:xfrm>
+            <a:off x="0" y="3411767"/>
+            <a:ext cx="5487166" cy="3446233"/>
+          </a:xfrm>
+          <a:prstGeom prst="rect">
+            <a:avLst/>
+          </a:prstGeom>
+        </p:spPr>
+      </p:pic>
+      <p:pic>
+        <p:nvPicPr>
+          <p:cNvPr id="7" name="Picture 6" descr="Chart, bar chart&#10;&#10;Description automatically generated">
+            <a:extLst>
+              <a:ext uri="{FF2B5EF4-FFF2-40B4-BE49-F238E27FC236}">
+                <a16:creationId xmlns:a16="http://schemas.microsoft.com/office/drawing/2014/main" id="{40FC8400-9BF9-4F01-813F-60DEC18A1F3D}"/>
+              </a:ext>
+            </a:extLst>
+          </p:cNvPr>
+          <p:cNvPicPr>
+            <a:picLocks noChangeAspect="1"/>
+          </p:cNvPicPr>
+          <p:nvPr/>
+        </p:nvPicPr>
+        <p:blipFill rotWithShape="1">
+          <a:blip r:embed="rId3">
+            <a:alphaModFix/>
+            <a:extLst>
+              <a:ext uri="{28A0092B-C50C-407E-A947-70E740481C1C}">
+                <a14:useLocalDpi xmlns:a14="http://schemas.microsoft.com/office/drawing/2010/main" val="0"/>
+              </a:ext>
+            </a:extLst>
+          </a:blip>
+          <a:srcRect b="5792"/>
+          <a:stretch/>
+        </p:blipFill>
+        <p:spPr>
+          <a:xfrm>
+            <a:off x="117231" y="288039"/>
+            <a:ext cx="4095262" cy="2572044"/>
+          </a:xfrm>
+          <a:prstGeom prst="rect">
+            <a:avLst/>
+          </a:prstGeom>
+        </p:spPr>
+      </p:pic>
+      <p:sp>
+        <p:nvSpPr>
+          <p:cNvPr id="14" name="TextBox 13">
+            <a:extLst>
+              <a:ext uri="{FF2B5EF4-FFF2-40B4-BE49-F238E27FC236}">
+                <a16:creationId xmlns:a16="http://schemas.microsoft.com/office/drawing/2014/main" id="{0276906F-3DDD-4F8D-850F-F62F6D3B4AFD}"/>
+              </a:ext>
+            </a:extLst>
+          </p:cNvPr>
+          <p:cNvSpPr txBox="1"/>
+          <p:nvPr/>
+        </p:nvSpPr>
+        <p:spPr>
+          <a:xfrm>
+            <a:off x="5665791" y="13744"/>
+            <a:ext cx="6096000" cy="369332"/>
+          </a:xfrm>
+          <a:prstGeom prst="rect">
+            <a:avLst/>
+          </a:prstGeom>
+          <a:noFill/>
+        </p:spPr>
+        <p:txBody>
+          <a:bodyPr wrap="square">
+            <a:spAutoFit/>
+          </a:bodyPr>
+          <a:lstStyle/>
+          <a:p>
+            <a:pPr algn="ctr"/>
+            <a:r>
+              <a:rPr lang="en-US" b="1" dirty="0">
+                <a:solidFill>
+                  <a:srgbClr val="333333"/>
+                </a:solidFill>
+                <a:latin typeface="Helvetica Neue"/>
+              </a:rPr>
+              <a:t>P</a:t>
+            </a:r>
+            <a:r>
+              <a:rPr lang="en-US" sz="1800" b="1" i="0" dirty="0">
+                <a:solidFill>
+                  <a:srgbClr val="333333"/>
+                </a:solidFill>
+                <a:effectLst/>
+                <a:latin typeface="Helvetica Neue"/>
+              </a:rPr>
+              <a:t>re- processing </a:t>
+            </a:r>
+            <a:r>
+              <a:rPr lang="en-US" sz="1800" b="1" i="0" dirty="0" err="1">
+                <a:solidFill>
+                  <a:srgbClr val="333333"/>
+                </a:solidFill>
+                <a:effectLst/>
+                <a:latin typeface="Helvetica Neue"/>
+              </a:rPr>
+              <a:t>GO_Terms</a:t>
+            </a:r>
+            <a:endParaRPr lang="en-US" b="1" dirty="0"/>
+          </a:p>
+        </p:txBody>
+      </p:sp>
+      <p:sp>
+        <p:nvSpPr>
+          <p:cNvPr id="15" name="TextBox 14">
+            <a:extLst>
+              <a:ext uri="{FF2B5EF4-FFF2-40B4-BE49-F238E27FC236}">
+                <a16:creationId xmlns:a16="http://schemas.microsoft.com/office/drawing/2014/main" id="{D950A21C-C3B9-4204-B997-46A4AC97B71E}"/>
+              </a:ext>
+            </a:extLst>
+          </p:cNvPr>
+          <p:cNvSpPr txBox="1"/>
+          <p:nvPr/>
+        </p:nvSpPr>
+        <p:spPr>
+          <a:xfrm>
+            <a:off x="5665791" y="2653271"/>
+            <a:ext cx="6096000" cy="369332"/>
+          </a:xfrm>
+          <a:prstGeom prst="rect">
+            <a:avLst/>
+          </a:prstGeom>
+          <a:noFill/>
+        </p:spPr>
+        <p:txBody>
+          <a:bodyPr wrap="square">
+            <a:spAutoFit/>
+          </a:bodyPr>
+          <a:lstStyle/>
+          <a:p>
+            <a:pPr algn="ctr"/>
+            <a:r>
+              <a:rPr lang="en-US" sz="1800" b="1" i="0" dirty="0">
+                <a:solidFill>
+                  <a:srgbClr val="333333"/>
+                </a:solidFill>
+                <a:effectLst/>
+                <a:latin typeface="Helvetica Neue"/>
+              </a:rPr>
+              <a:t>DMM model fit</a:t>
+            </a:r>
+            <a:endParaRPr lang="en-US" b="1" dirty="0"/>
+          </a:p>
+        </p:txBody>
+      </p:sp>
+      <p:graphicFrame>
+        <p:nvGraphicFramePr>
+          <p:cNvPr id="21" name="Table 20">
+            <a:extLst>
+              <a:ext uri="{FF2B5EF4-FFF2-40B4-BE49-F238E27FC236}">
+                <a16:creationId xmlns:a16="http://schemas.microsoft.com/office/drawing/2014/main" id="{DC76B881-7471-4D79-B644-BBACE5A8CBB5}"/>
+              </a:ext>
+            </a:extLst>
+          </p:cNvPr>
+          <p:cNvGraphicFramePr>
+            <a:graphicFrameLocks noGrp="1"/>
+          </p:cNvGraphicFramePr>
+          <p:nvPr/>
+        </p:nvGraphicFramePr>
+        <p:xfrm>
+          <a:off x="5204038" y="732362"/>
+          <a:ext cx="7019507" cy="1266825"/>
+        </p:xfrm>
+        <a:graphic>
+          <a:graphicData uri="http://schemas.openxmlformats.org/drawingml/2006/table">
+            <a:tbl>
+              <a:tblPr/>
+              <a:tblGrid>
+                <a:gridCol w="4975225">
+                  <a:extLst>
+                    <a:ext uri="{9D8B030D-6E8A-4147-A177-3AD203B41FA5}">
+                      <a16:colId xmlns:a16="http://schemas.microsoft.com/office/drawing/2014/main" val="3814056910"/>
+                    </a:ext>
+                  </a:extLst>
+                </a:gridCol>
+                <a:gridCol w="1159637">
+                  <a:extLst>
+                    <a:ext uri="{9D8B030D-6E8A-4147-A177-3AD203B41FA5}">
+                      <a16:colId xmlns:a16="http://schemas.microsoft.com/office/drawing/2014/main" val="4208763786"/>
+                    </a:ext>
+                  </a:extLst>
+                </a:gridCol>
+                <a:gridCol w="884645">
+                  <a:extLst>
+                    <a:ext uri="{9D8B030D-6E8A-4147-A177-3AD203B41FA5}">
+                      <a16:colId xmlns:a16="http://schemas.microsoft.com/office/drawing/2014/main" val="45949040"/>
+                    </a:ext>
+                  </a:extLst>
+                </a:gridCol>
+              </a:tblGrid>
+              <a:tr h="190500">
+                <a:tc>
+                  <a:txBody>
+                    <a:bodyPr/>
+                    <a:lstStyle/>
+                    <a:p>
+                      <a:pPr algn="r" fontAlgn="ctr"/>
+                      <a:r>
+                        <a:rPr lang="en-US" sz="1600" b="0" i="0" u="none" strike="noStrike" dirty="0">
+                          <a:solidFill>
+                            <a:srgbClr val="000000"/>
+                          </a:solidFill>
+                          <a:effectLst/>
+                          <a:latin typeface="Helvetica Neue"/>
+                        </a:rPr>
+                        <a:t>Pre-processing Steps Taken</a:t>
+                      </a:r>
+                    </a:p>
+                  </a:txBody>
+                  <a:tcPr marL="9525" marR="9525" marT="9525" marB="0" anchor="ctr">
+                    <a:lnL>
+                      <a:noFill/>
+                    </a:lnL>
+                    <a:lnR>
+                      <a:noFill/>
+                    </a:lnR>
+                    <a:lnT>
+                      <a:noFill/>
+                    </a:lnT>
+                    <a:lnB w="6350" cap="flat" cmpd="sng" algn="ctr">
+                      <a:solidFill>
+                        <a:srgbClr val="000000"/>
+                      </a:solidFill>
+                      <a:prstDash val="solid"/>
+                      <a:round/>
+                      <a:headEnd type="none" w="med" len="med"/>
+                      <a:tailEnd type="none" w="med" len="med"/>
+                    </a:lnB>
+                  </a:tcPr>
+                </a:tc>
+                <a:tc>
+                  <a:txBody>
+                    <a:bodyPr/>
+                    <a:lstStyle/>
+                    <a:p>
+                      <a:pPr algn="ctr" fontAlgn="ctr"/>
+                      <a:r>
+                        <a:rPr lang="en-US" sz="1600" b="0" i="0" u="none" strike="noStrike">
+                          <a:solidFill>
+                            <a:srgbClr val="000000"/>
+                          </a:solidFill>
+                          <a:effectLst/>
+                          <a:latin typeface="Helvetica Neue"/>
+                        </a:rPr>
+                        <a:t>Go Term (n)</a:t>
+                      </a:r>
+                    </a:p>
+                  </a:txBody>
+                  <a:tcPr marL="9525" marR="9525" marT="9525" marB="0" anchor="ctr">
+                    <a:lnL>
+                      <a:noFill/>
+                    </a:lnL>
+                    <a:lnR>
+                      <a:noFill/>
+                    </a:lnR>
+                    <a:lnT>
+                      <a:noFill/>
+                    </a:lnT>
+                    <a:lnB w="6350" cap="flat" cmpd="sng" algn="ctr">
+                      <a:solidFill>
+                        <a:srgbClr val="000000"/>
+                      </a:solidFill>
+                      <a:prstDash val="solid"/>
+                      <a:round/>
+                      <a:headEnd type="none" w="med" len="med"/>
+                      <a:tailEnd type="none" w="med" len="med"/>
+                    </a:lnB>
+                  </a:tcPr>
+                </a:tc>
+                <a:tc>
+                  <a:txBody>
+                    <a:bodyPr/>
+                    <a:lstStyle/>
+                    <a:p>
+                      <a:pPr algn="ctr" fontAlgn="ctr"/>
+                      <a:r>
+                        <a:rPr lang="en-US" sz="1600" b="0" i="0" u="none" strike="noStrike">
+                          <a:solidFill>
+                            <a:srgbClr val="000000"/>
+                          </a:solidFill>
+                          <a:effectLst/>
+                          <a:latin typeface="Helvetica Neue"/>
+                        </a:rPr>
+                        <a:t>samples</a:t>
+                      </a:r>
+                    </a:p>
+                  </a:txBody>
+                  <a:tcPr marL="9525" marR="9525" marT="9525" marB="0" anchor="ctr">
+                    <a:lnL>
+                      <a:noFill/>
+                    </a:lnL>
+                    <a:lnR>
+                      <a:noFill/>
+                    </a:lnR>
+                    <a:lnT>
+                      <a:noFill/>
+                    </a:lnT>
+                    <a:lnB w="6350" cap="flat" cmpd="sng" algn="ctr">
+                      <a:solidFill>
+                        <a:srgbClr val="000000"/>
+                      </a:solidFill>
+                      <a:prstDash val="solid"/>
+                      <a:round/>
+                      <a:headEnd type="none" w="med" len="med"/>
+                      <a:tailEnd type="none" w="med" len="med"/>
+                    </a:lnB>
+                  </a:tcPr>
+                </a:tc>
+                <a:extLst>
+                  <a:ext uri="{0D108BD9-81ED-4DB2-BD59-A6C34878D82A}">
+                    <a16:rowId xmlns:a16="http://schemas.microsoft.com/office/drawing/2014/main" val="3210252746"/>
+                  </a:ext>
+                </a:extLst>
+              </a:tr>
+              <a:tr h="190500">
+                <a:tc>
+                  <a:txBody>
+                    <a:bodyPr/>
+                    <a:lstStyle/>
+                    <a:p>
+                      <a:pPr algn="r" fontAlgn="ctr"/>
+                      <a:r>
+                        <a:rPr lang="en-US" sz="1600" b="0" i="0" u="none" strike="noStrike">
+                          <a:solidFill>
+                            <a:srgbClr val="000000"/>
+                          </a:solidFill>
+                          <a:effectLst/>
+                          <a:latin typeface="Helvetica Neue"/>
+                        </a:rPr>
+                        <a:t>Subset for biological processes only</a:t>
+                      </a:r>
+                    </a:p>
+                  </a:txBody>
+                  <a:tcPr marL="9525" marR="9525" marT="9525" marB="0" anchor="ctr">
+                    <a:lnL>
+                      <a:noFill/>
+                    </a:lnL>
+                    <a:lnR>
+                      <a:noFill/>
+                    </a:lnR>
+                    <a:lnT w="6350" cap="flat" cmpd="sng" algn="ctr">
+                      <a:solidFill>
+                        <a:srgbClr val="000000"/>
+                      </a:solidFill>
+                      <a:prstDash val="solid"/>
+                      <a:round/>
+                      <a:headEnd type="none" w="med" len="med"/>
+                      <a:tailEnd type="none" w="med" len="med"/>
+                    </a:lnT>
+                    <a:lnB>
+                      <a:noFill/>
+                    </a:lnB>
+                  </a:tcPr>
+                </a:tc>
+                <a:tc>
+                  <a:txBody>
+                    <a:bodyPr/>
+                    <a:lstStyle/>
+                    <a:p>
+                      <a:pPr algn="ctr" fontAlgn="ctr"/>
+                      <a:r>
+                        <a:rPr lang="en-US" sz="1600" b="0" i="0" u="none" strike="noStrike">
+                          <a:solidFill>
+                            <a:srgbClr val="000000"/>
+                          </a:solidFill>
+                          <a:effectLst/>
+                          <a:latin typeface="Helvetica Neue"/>
+                        </a:rPr>
+                        <a:t>3393</a:t>
+                      </a:r>
+                    </a:p>
+                  </a:txBody>
+                  <a:tcPr marL="9525" marR="9525" marT="9525" marB="0" anchor="ctr">
+                    <a:lnL>
+                      <a:noFill/>
+                    </a:lnL>
+                    <a:lnR>
+                      <a:noFill/>
+                    </a:lnR>
+                    <a:lnT w="6350" cap="flat" cmpd="sng" algn="ctr">
+                      <a:solidFill>
+                        <a:srgbClr val="000000"/>
+                      </a:solidFill>
+                      <a:prstDash val="solid"/>
+                      <a:round/>
+                      <a:headEnd type="none" w="med" len="med"/>
+                      <a:tailEnd type="none" w="med" len="med"/>
+                    </a:lnT>
+                    <a:lnB>
+                      <a:noFill/>
+                    </a:lnB>
+                  </a:tcPr>
+                </a:tc>
+                <a:tc>
+                  <a:txBody>
+                    <a:bodyPr/>
+                    <a:lstStyle/>
+                    <a:p>
+                      <a:pPr algn="ctr" fontAlgn="ctr"/>
+                      <a:r>
+                        <a:rPr lang="en-US" sz="1600" b="0" i="0" u="none" strike="noStrike">
+                          <a:solidFill>
+                            <a:srgbClr val="000000"/>
+                          </a:solidFill>
+                          <a:effectLst/>
+                          <a:latin typeface="Helvetica Neue"/>
+                        </a:rPr>
+                        <a:t>167</a:t>
+                      </a:r>
+                    </a:p>
+                  </a:txBody>
+                  <a:tcPr marL="9525" marR="9525" marT="9525" marB="0" anchor="ctr">
+                    <a:lnL>
+                      <a:noFill/>
+                    </a:lnL>
+                    <a:lnR>
+                      <a:noFill/>
+                    </a:lnR>
+                    <a:lnT w="6350" cap="flat" cmpd="sng" algn="ctr">
+                      <a:solidFill>
+                        <a:srgbClr val="000000"/>
+                      </a:solidFill>
+                      <a:prstDash val="solid"/>
+                      <a:round/>
+                      <a:headEnd type="none" w="med" len="med"/>
+                      <a:tailEnd type="none" w="med" len="med"/>
+                    </a:lnT>
+                    <a:lnB>
+                      <a:noFill/>
+                    </a:lnB>
+                  </a:tcPr>
+                </a:tc>
+                <a:extLst>
+                  <a:ext uri="{0D108BD9-81ED-4DB2-BD59-A6C34878D82A}">
+                    <a16:rowId xmlns:a16="http://schemas.microsoft.com/office/drawing/2014/main" val="599135497"/>
+                  </a:ext>
+                </a:extLst>
+              </a:tr>
+              <a:tr h="190500">
+                <a:tc>
+                  <a:txBody>
+                    <a:bodyPr/>
+                    <a:lstStyle/>
+                    <a:p>
+                      <a:pPr algn="r" fontAlgn="ctr"/>
+                      <a:r>
+                        <a:rPr lang="en-US" sz="1600" b="0" i="0" u="none" strike="noStrike">
+                          <a:solidFill>
+                            <a:srgbClr val="000000"/>
+                          </a:solidFill>
+                          <a:effectLst/>
+                          <a:latin typeface="Helvetica Neue"/>
+                        </a:rPr>
+                        <a:t>Removed neg control and Unknown sample types</a:t>
+                      </a:r>
+                    </a:p>
+                  </a:txBody>
+                  <a:tcPr marL="9525" marR="9525" marT="9525" marB="0" anchor="ctr">
+                    <a:lnL>
+                      <a:noFill/>
+                    </a:lnL>
+                    <a:lnR>
+                      <a:noFill/>
+                    </a:lnR>
+                    <a:lnT>
+                      <a:noFill/>
+                    </a:lnT>
+                    <a:lnB>
+                      <a:noFill/>
+                    </a:lnB>
+                  </a:tcPr>
+                </a:tc>
+                <a:tc>
+                  <a:txBody>
+                    <a:bodyPr/>
+                    <a:lstStyle/>
+                    <a:p>
+                      <a:pPr algn="ctr" fontAlgn="ctr"/>
+                      <a:r>
+                        <a:rPr lang="en-US" sz="1600" b="0" i="0" u="none" strike="noStrike">
+                          <a:solidFill>
+                            <a:srgbClr val="000000"/>
+                          </a:solidFill>
+                          <a:effectLst/>
+                          <a:latin typeface="Helvetica Neue"/>
+                        </a:rPr>
+                        <a:t>3393</a:t>
+                      </a:r>
+                    </a:p>
+                  </a:txBody>
+                  <a:tcPr marL="9525" marR="9525" marT="9525" marB="0" anchor="ctr">
+                    <a:lnL>
+                      <a:noFill/>
+                    </a:lnL>
+                    <a:lnR>
+                      <a:noFill/>
+                    </a:lnR>
+                    <a:lnT>
+                      <a:noFill/>
+                    </a:lnT>
+                    <a:lnB>
+                      <a:noFill/>
+                    </a:lnB>
+                  </a:tcPr>
+                </a:tc>
+                <a:tc>
+                  <a:txBody>
+                    <a:bodyPr/>
+                    <a:lstStyle/>
+                    <a:p>
+                      <a:pPr algn="ctr" fontAlgn="ctr"/>
+                      <a:r>
+                        <a:rPr lang="en-US" sz="1600" b="0" i="0" u="none" strike="noStrike">
+                          <a:solidFill>
+                            <a:srgbClr val="000000"/>
+                          </a:solidFill>
+                          <a:effectLst/>
+                          <a:latin typeface="Helvetica Neue"/>
+                        </a:rPr>
+                        <a:t>141</a:t>
+                      </a:r>
+                    </a:p>
+                  </a:txBody>
+                  <a:tcPr marL="9525" marR="9525" marT="9525" marB="0" anchor="ctr">
+                    <a:lnL>
+                      <a:noFill/>
+                    </a:lnL>
+                    <a:lnR>
+                      <a:noFill/>
+                    </a:lnR>
+                    <a:lnT>
+                      <a:noFill/>
+                    </a:lnT>
+                    <a:lnB>
+                      <a:noFill/>
+                    </a:lnB>
+                  </a:tcPr>
+                </a:tc>
+                <a:extLst>
+                  <a:ext uri="{0D108BD9-81ED-4DB2-BD59-A6C34878D82A}">
+                    <a16:rowId xmlns:a16="http://schemas.microsoft.com/office/drawing/2014/main" val="3254288803"/>
+                  </a:ext>
+                </a:extLst>
+              </a:tr>
+              <a:tr h="190500">
+                <a:tc>
+                  <a:txBody>
+                    <a:bodyPr/>
+                    <a:lstStyle/>
+                    <a:p>
+                      <a:pPr algn="r" fontAlgn="ctr"/>
+                      <a:r>
+                        <a:rPr lang="en-US" sz="1600" b="0" i="0" u="none" strike="noStrike" dirty="0">
+                          <a:solidFill>
+                            <a:srgbClr val="000000"/>
+                          </a:solidFill>
+                          <a:effectLst/>
+                          <a:latin typeface="Helvetica Neue"/>
+                        </a:rPr>
+                        <a:t>Removed Go terms and samples with summation &lt; 10</a:t>
+                      </a:r>
+                    </a:p>
+                  </a:txBody>
+                  <a:tcPr marL="9525" marR="9525" marT="9525" marB="0" anchor="ctr">
+                    <a:lnL>
+                      <a:noFill/>
+                    </a:lnL>
+                    <a:lnR>
+                      <a:noFill/>
+                    </a:lnR>
+                    <a:lnT>
+                      <a:noFill/>
+                    </a:lnT>
+                    <a:lnB>
+                      <a:noFill/>
+                    </a:lnB>
+                  </a:tcPr>
+                </a:tc>
+                <a:tc>
+                  <a:txBody>
+                    <a:bodyPr/>
+                    <a:lstStyle/>
+                    <a:p>
+                      <a:pPr algn="ctr" fontAlgn="ctr"/>
+                      <a:r>
                         <a:rPr lang="en-US" sz="1600" b="0" i="0" u="none" strike="noStrike">
                           <a:solidFill>
                             <a:srgbClr val="000000"/>
@@ -4847,124 +5874,7 @@
     </p:spTree>
     <p:extLst>
       <p:ext uri="{BB962C8B-B14F-4D97-AF65-F5344CB8AC3E}">
-        <p14:creationId xmlns:p14="http://schemas.microsoft.com/office/powerpoint/2010/main" val="3124541833"/>
-      </p:ext>
-    </p:extLst>
-  </p:cSld>
-  <p:clrMapOvr>
-    <a:masterClrMapping/>
-  </p:clrMapOvr>
-</p:sld>
-</file>
-
-<file path=ppt/slides/slide3.xml><?xml version="1.0" encoding="utf-8"?>
-<p:sld xmlns:a="http://schemas.openxmlformats.org/drawingml/2006/main" xmlns:r="http://schemas.openxmlformats.org/officeDocument/2006/relationships" xmlns:p="http://schemas.openxmlformats.org/presentationml/2006/main">
-  <p:cSld>
-    <p:spTree>
-      <p:nvGrpSpPr>
-        <p:cNvPr id="1" name=""/>
-        <p:cNvGrpSpPr/>
-        <p:nvPr/>
-      </p:nvGrpSpPr>
-      <p:grpSpPr>
-        <a:xfrm>
-          <a:off x="0" y="0"/>
-          <a:ext cx="0" cy="0"/>
-          <a:chOff x="0" y="0"/>
-          <a:chExt cx="0" cy="0"/>
-        </a:xfrm>
-      </p:grpSpPr>
-      <p:pic>
-        <p:nvPicPr>
-          <p:cNvPr id="6" name="Picture 5" descr="Chart, treemap chart&#10;&#10;Description automatically generated">
-            <a:extLst>
-              <a:ext uri="{FF2B5EF4-FFF2-40B4-BE49-F238E27FC236}">
-                <a16:creationId xmlns:a16="http://schemas.microsoft.com/office/drawing/2014/main" id="{480E3138-5218-4961-B8E7-452E6AE46ED1}"/>
-              </a:ext>
-            </a:extLst>
-          </p:cNvPr>
-          <p:cNvPicPr>
-            <a:picLocks noChangeAspect="1"/>
-          </p:cNvPicPr>
-          <p:nvPr/>
-        </p:nvPicPr>
-        <p:blipFill>
-          <a:blip r:embed="rId2">
-            <a:extLst>
-              <a:ext uri="{28A0092B-C50C-407E-A947-70E740481C1C}">
-                <a14:useLocalDpi xmlns:a14="http://schemas.microsoft.com/office/drawing/2010/main" val="0"/>
-              </a:ext>
-            </a:extLst>
-          </a:blip>
-          <a:stretch>
-            <a:fillRect/>
-          </a:stretch>
-        </p:blipFill>
-        <p:spPr>
-          <a:xfrm>
-            <a:off x="1315453" y="241968"/>
-            <a:ext cx="9924046" cy="6616031"/>
-          </a:xfrm>
-          <a:prstGeom prst="rect">
-            <a:avLst/>
-          </a:prstGeom>
-        </p:spPr>
-      </p:pic>
-      <p:sp>
-        <p:nvSpPr>
-          <p:cNvPr id="8" name="TextBox 7">
-            <a:extLst>
-              <a:ext uri="{FF2B5EF4-FFF2-40B4-BE49-F238E27FC236}">
-                <a16:creationId xmlns:a16="http://schemas.microsoft.com/office/drawing/2014/main" id="{86EF9B77-A43F-41FD-A269-504F6AA29A40}"/>
-              </a:ext>
-            </a:extLst>
-          </p:cNvPr>
-          <p:cNvSpPr txBox="1"/>
-          <p:nvPr/>
-        </p:nvSpPr>
-        <p:spPr>
-          <a:xfrm>
-            <a:off x="1315453" y="-1"/>
-            <a:ext cx="9924046" cy="369332"/>
-          </a:xfrm>
-          <a:prstGeom prst="rect">
-            <a:avLst/>
-          </a:prstGeom>
-          <a:noFill/>
-        </p:spPr>
-        <p:txBody>
-          <a:bodyPr wrap="square">
-            <a:spAutoFit/>
-          </a:bodyPr>
-          <a:lstStyle/>
-          <a:p>
-            <a:pPr algn="ctr"/>
-            <a:r>
-              <a:rPr lang="en-US" dirty="0">
-                <a:solidFill>
-                  <a:srgbClr val="333333"/>
-                </a:solidFill>
-                <a:latin typeface="Helvetica Neue"/>
-              </a:rPr>
-              <a:t>Square root transformed</a:t>
-            </a:r>
-            <a:r>
-              <a:rPr lang="en-US" sz="1800" b="0" i="0" dirty="0">
-                <a:solidFill>
-                  <a:srgbClr val="333333"/>
-                </a:solidFill>
-                <a:effectLst/>
-                <a:latin typeface="Helvetica Neue"/>
-              </a:rPr>
-              <a:t> Dirichlet Multinomial Mixtures Community typing (k=4)</a:t>
-            </a:r>
-          </a:p>
-        </p:txBody>
-      </p:sp>
-    </p:spTree>
-    <p:extLst>
-      <p:ext uri="{BB962C8B-B14F-4D97-AF65-F5344CB8AC3E}">
-        <p14:creationId xmlns:p14="http://schemas.microsoft.com/office/powerpoint/2010/main" val="1019671695"/>
+        <p14:creationId xmlns:p14="http://schemas.microsoft.com/office/powerpoint/2010/main" val="251311601"/>
       </p:ext>
     </p:extLst>
   </p:cSld>
@@ -4993,10 +5903,10 @@
       </p:grpSpPr>
       <p:pic>
         <p:nvPicPr>
-          <p:cNvPr id="3" name="Picture 2" descr="Chart, treemap chart&#10;&#10;Description automatically generated">
-            <a:extLst>
-              <a:ext uri="{FF2B5EF4-FFF2-40B4-BE49-F238E27FC236}">
-                <a16:creationId xmlns:a16="http://schemas.microsoft.com/office/drawing/2014/main" id="{8DC8D31F-F700-4083-B7BA-594058F6C8F6}"/>
+          <p:cNvPr id="6" name="Picture 5" descr="Chart, treemap chart&#10;&#10;Description automatically generated">
+            <a:extLst>
+              <a:ext uri="{FF2B5EF4-FFF2-40B4-BE49-F238E27FC236}">
+                <a16:creationId xmlns:a16="http://schemas.microsoft.com/office/drawing/2014/main" id="{480E3138-5218-4961-B8E7-452E6AE46ED1}"/>
               </a:ext>
             </a:extLst>
           </p:cNvPr>
@@ -5057,23 +5967,13 @@
           <a:p>
             <a:pPr algn="ctr"/>
             <a:r>
-              <a:rPr lang="en-US" sz="1800" b="0" i="0" dirty="0">
-                <a:solidFill>
-                  <a:srgbClr val="333333"/>
-                </a:solidFill>
-                <a:effectLst/>
-                <a:latin typeface="Helvetica Neue"/>
-              </a:rPr>
-              <a:t>Log </a:t>
-            </a:r>
-            <a:r>
               <a:rPr lang="en-US" dirty="0">
                 <a:solidFill>
                   <a:srgbClr val="333333"/>
                 </a:solidFill>
                 <a:latin typeface="Helvetica Neue"/>
               </a:rPr>
-              <a:t>2</a:t>
+              <a:t>Square root transformed</a:t>
             </a:r>
             <a:r>
               <a:rPr lang="en-US" sz="1800" b="0" i="0" dirty="0">
@@ -5091,7 +5991,7 @@
     </p:spTree>
     <p:extLst>
       <p:ext uri="{BB962C8B-B14F-4D97-AF65-F5344CB8AC3E}">
-        <p14:creationId xmlns:p14="http://schemas.microsoft.com/office/powerpoint/2010/main" val="2359493216"/>
+        <p14:creationId xmlns:p14="http://schemas.microsoft.com/office/powerpoint/2010/main" val="1019671695"/>
       </p:ext>
     </p:extLst>
   </p:cSld>
@@ -5120,6 +6020,133 @@
       </p:grpSpPr>
       <p:pic>
         <p:nvPicPr>
+          <p:cNvPr id="3" name="Picture 2" descr="Chart, treemap chart&#10;&#10;Description automatically generated">
+            <a:extLst>
+              <a:ext uri="{FF2B5EF4-FFF2-40B4-BE49-F238E27FC236}">
+                <a16:creationId xmlns:a16="http://schemas.microsoft.com/office/drawing/2014/main" id="{8DC8D31F-F700-4083-B7BA-594058F6C8F6}"/>
+              </a:ext>
+            </a:extLst>
+          </p:cNvPr>
+          <p:cNvPicPr>
+            <a:picLocks noChangeAspect="1"/>
+          </p:cNvPicPr>
+          <p:nvPr/>
+        </p:nvPicPr>
+        <p:blipFill>
+          <a:blip r:embed="rId2">
+            <a:extLst>
+              <a:ext uri="{28A0092B-C50C-407E-A947-70E740481C1C}">
+                <a14:useLocalDpi xmlns:a14="http://schemas.microsoft.com/office/drawing/2010/main" val="0"/>
+              </a:ext>
+            </a:extLst>
+          </a:blip>
+          <a:stretch>
+            <a:fillRect/>
+          </a:stretch>
+        </p:blipFill>
+        <p:spPr>
+          <a:xfrm>
+            <a:off x="1315453" y="241968"/>
+            <a:ext cx="9924046" cy="6616031"/>
+          </a:xfrm>
+          <a:prstGeom prst="rect">
+            <a:avLst/>
+          </a:prstGeom>
+        </p:spPr>
+      </p:pic>
+      <p:sp>
+        <p:nvSpPr>
+          <p:cNvPr id="8" name="TextBox 7">
+            <a:extLst>
+              <a:ext uri="{FF2B5EF4-FFF2-40B4-BE49-F238E27FC236}">
+                <a16:creationId xmlns:a16="http://schemas.microsoft.com/office/drawing/2014/main" id="{86EF9B77-A43F-41FD-A269-504F6AA29A40}"/>
+              </a:ext>
+            </a:extLst>
+          </p:cNvPr>
+          <p:cNvSpPr txBox="1"/>
+          <p:nvPr/>
+        </p:nvSpPr>
+        <p:spPr>
+          <a:xfrm>
+            <a:off x="1315453" y="-1"/>
+            <a:ext cx="9924046" cy="369332"/>
+          </a:xfrm>
+          <a:prstGeom prst="rect">
+            <a:avLst/>
+          </a:prstGeom>
+          <a:noFill/>
+        </p:spPr>
+        <p:txBody>
+          <a:bodyPr wrap="square">
+            <a:spAutoFit/>
+          </a:bodyPr>
+          <a:lstStyle/>
+          <a:p>
+            <a:pPr algn="ctr"/>
+            <a:r>
+              <a:rPr lang="en-US" sz="1800" b="0" i="0" dirty="0">
+                <a:solidFill>
+                  <a:srgbClr val="333333"/>
+                </a:solidFill>
+                <a:effectLst/>
+                <a:latin typeface="Helvetica Neue"/>
+              </a:rPr>
+              <a:t>Log </a:t>
+            </a:r>
+            <a:r>
+              <a:rPr lang="en-US" dirty="0">
+                <a:solidFill>
+                  <a:srgbClr val="333333"/>
+                </a:solidFill>
+                <a:latin typeface="Helvetica Neue"/>
+              </a:rPr>
+              <a:t>2</a:t>
+            </a:r>
+            <a:r>
+              <a:rPr lang="en-US" sz="1800" b="0" i="0" dirty="0">
+                <a:solidFill>
+                  <a:srgbClr val="333333"/>
+                </a:solidFill>
+                <a:effectLst/>
+                <a:latin typeface="Helvetica Neue"/>
+              </a:rPr>
+              <a:t> Dirichlet Multinomial Mixtures Community typing (k=4)</a:t>
+            </a:r>
+          </a:p>
+        </p:txBody>
+      </p:sp>
+    </p:spTree>
+    <p:extLst>
+      <p:ext uri="{BB962C8B-B14F-4D97-AF65-F5344CB8AC3E}">
+        <p14:creationId xmlns:p14="http://schemas.microsoft.com/office/powerpoint/2010/main" val="2359493216"/>
+      </p:ext>
+    </p:extLst>
+  </p:cSld>
+  <p:clrMapOvr>
+    <a:masterClrMapping/>
+  </p:clrMapOvr>
+</p:sld>
+</file>
+
+<file path=ppt/slides/slide6.xml><?xml version="1.0" encoding="utf-8"?>
+<p:sld xmlns:a="http://schemas.openxmlformats.org/drawingml/2006/main" xmlns:r="http://schemas.openxmlformats.org/officeDocument/2006/relationships" xmlns:p="http://schemas.openxmlformats.org/presentationml/2006/main">
+  <p:cSld>
+    <p:spTree>
+      <p:nvGrpSpPr>
+        <p:cNvPr id="1" name=""/>
+        <p:cNvGrpSpPr/>
+        <p:nvPr/>
+      </p:nvGrpSpPr>
+      <p:grpSpPr>
+        <a:xfrm>
+          <a:off x="0" y="0"/>
+          <a:ext cx="0" cy="0"/>
+          <a:chOff x="0" y="0"/>
+          <a:chExt cx="0" cy="0"/>
+        </a:xfrm>
+      </p:grpSpPr>
+      <p:pic>
+        <p:nvPicPr>
           <p:cNvPr id="4" name="Picture 3" descr="A picture containing bar chart&#10;&#10;Description automatically generated">
             <a:extLst>
               <a:ext uri="{FF2B5EF4-FFF2-40B4-BE49-F238E27FC236}">
@@ -5209,7 +6236,7 @@
 </p:sld>
 </file>
 
-<file path=ppt/slides/slide6.xml><?xml version="1.0" encoding="utf-8"?>
+<file path=ppt/slides/slide7.xml><?xml version="1.0" encoding="utf-8"?>
 <p:sld xmlns:a="http://schemas.openxmlformats.org/drawingml/2006/main" xmlns:r="http://schemas.openxmlformats.org/officeDocument/2006/relationships" xmlns:p="http://schemas.openxmlformats.org/presentationml/2006/main">
   <p:cSld>
     <p:spTree>
@@ -5614,110 +6641,6 @@
 </p:sld>
 </file>
 
-<file path=ppt/slides/slide7.xml><?xml version="1.0" encoding="utf-8"?>
-<p:sld xmlns:a="http://schemas.openxmlformats.org/drawingml/2006/main" xmlns:r="http://schemas.openxmlformats.org/officeDocument/2006/relationships" xmlns:p="http://schemas.openxmlformats.org/presentationml/2006/main">
-  <p:cSld>
-    <p:spTree>
-      <p:nvGrpSpPr>
-        <p:cNvPr id="1" name=""/>
-        <p:cNvGrpSpPr/>
-        <p:nvPr/>
-      </p:nvGrpSpPr>
-      <p:grpSpPr>
-        <a:xfrm>
-          <a:off x="0" y="0"/>
-          <a:ext cx="0" cy="0"/>
-          <a:chOff x="0" y="0"/>
-          <a:chExt cx="0" cy="0"/>
-        </a:xfrm>
-      </p:grpSpPr>
-      <p:sp>
-        <p:nvSpPr>
-          <p:cNvPr id="2" name="Title 1">
-            <a:extLst>
-              <a:ext uri="{FF2B5EF4-FFF2-40B4-BE49-F238E27FC236}">
-                <a16:creationId xmlns:a16="http://schemas.microsoft.com/office/drawing/2014/main" id="{20521BFD-BBEE-4FDA-BBEA-8F1A6E4884C0}"/>
-              </a:ext>
-            </a:extLst>
-          </p:cNvPr>
-          <p:cNvSpPr>
-            <a:spLocks noGrp="1"/>
-          </p:cNvSpPr>
-          <p:nvPr>
-            <p:ph type="ctrTitle"/>
-          </p:nvPr>
-        </p:nvSpPr>
-        <p:spPr/>
-        <p:txBody>
-          <a:bodyPr/>
-          <a:lstStyle/>
-          <a:p>
-            <a:r>
-              <a:rPr lang="en-US" dirty="0"/>
-              <a:t>OLD STUFF</a:t>
-            </a:r>
-            <a:br>
-              <a:rPr lang="en-US" dirty="0"/>
-            </a:br>
-            <a:r>
-              <a:rPr lang="en-US" dirty="0"/>
-              <a:t>Go term </a:t>
-            </a:r>
-            <a:r>
-              <a:rPr lang="en-US" dirty="0" err="1"/>
-              <a:t>visualisations</a:t>
-            </a:r>
-            <a:endParaRPr lang="en-US" dirty="0"/>
-          </a:p>
-        </p:txBody>
-      </p:sp>
-      <p:sp>
-        <p:nvSpPr>
-          <p:cNvPr id="3" name="Subtitle 2">
-            <a:extLst>
-              <a:ext uri="{FF2B5EF4-FFF2-40B4-BE49-F238E27FC236}">
-                <a16:creationId xmlns:a16="http://schemas.microsoft.com/office/drawing/2014/main" id="{2CCC5B1D-2D7F-4672-8E00-371F37FE7D2A}"/>
-              </a:ext>
-            </a:extLst>
-          </p:cNvPr>
-          <p:cNvSpPr>
-            <a:spLocks noGrp="1"/>
-          </p:cNvSpPr>
-          <p:nvPr>
-            <p:ph type="subTitle" idx="1"/>
-          </p:nvPr>
-        </p:nvSpPr>
-        <p:spPr/>
-        <p:txBody>
-          <a:bodyPr/>
-          <a:lstStyle/>
-          <a:p>
-            <a:r>
-              <a:rPr lang="en-US" dirty="0"/>
-              <a:t>Jochum, Michael D.</a:t>
-            </a:r>
-          </a:p>
-          <a:p>
-            <a:r>
-              <a:rPr lang="en-US" dirty="0"/>
-              <a:t>27 Oct 2020</a:t>
-            </a:r>
-          </a:p>
-        </p:txBody>
-      </p:sp>
-    </p:spTree>
-    <p:extLst>
-      <p:ext uri="{BB962C8B-B14F-4D97-AF65-F5344CB8AC3E}">
-        <p14:creationId xmlns:p14="http://schemas.microsoft.com/office/powerpoint/2010/main" val="2725461332"/>
-      </p:ext>
-    </p:extLst>
-  </p:cSld>
-  <p:clrMapOvr>
-    <a:masterClrMapping/>
-  </p:clrMapOvr>
-</p:sld>
-</file>
-
 <file path=ppt/slides/slide8.xml><?xml version="1.0" encoding="utf-8"?>
 <p:sld xmlns:a="http://schemas.openxmlformats.org/drawingml/2006/main" xmlns:r="http://schemas.openxmlformats.org/officeDocument/2006/relationships" xmlns:p="http://schemas.openxmlformats.org/presentationml/2006/main">
   <p:cSld>
@@ -5735,73 +6658,76 @@
           <a:chExt cx="0" cy="0"/>
         </a:xfrm>
       </p:grpSpPr>
-      <p:pic>
-        <p:nvPicPr>
-          <p:cNvPr id="3" name="Picture 2" descr="Chart, bar chart&#10;&#10;Description automatically generated">
-            <a:extLst>
-              <a:ext uri="{FF2B5EF4-FFF2-40B4-BE49-F238E27FC236}">
-                <a16:creationId xmlns:a16="http://schemas.microsoft.com/office/drawing/2014/main" id="{E77F9D17-82E3-4B27-A811-865C0CDDD3E3}"/>
-              </a:ext>
-            </a:extLst>
-          </p:cNvPr>
-          <p:cNvPicPr>
-            <a:picLocks noChangeAspect="1"/>
-          </p:cNvPicPr>
-          <p:nvPr/>
-        </p:nvPicPr>
-        <p:blipFill>
-          <a:blip r:embed="rId2">
-            <a:extLst>
-              <a:ext uri="{28A0092B-C50C-407E-A947-70E740481C1C}">
-                <a14:useLocalDpi xmlns:a14="http://schemas.microsoft.com/office/drawing/2010/main" val="0"/>
-              </a:ext>
-            </a:extLst>
-          </a:blip>
-          <a:stretch>
-            <a:fillRect/>
-          </a:stretch>
-        </p:blipFill>
-        <p:spPr>
-          <a:xfrm>
-            <a:off x="219780" y="177266"/>
-            <a:ext cx="6503467" cy="6503467"/>
-          </a:xfrm>
-          <a:prstGeom prst="rect">
-            <a:avLst/>
-          </a:prstGeom>
-        </p:spPr>
-      </p:pic>
-      <p:sp>
-        <p:nvSpPr>
-          <p:cNvPr id="4" name="TextBox 3">
-            <a:extLst>
-              <a:ext uri="{FF2B5EF4-FFF2-40B4-BE49-F238E27FC236}">
-                <a16:creationId xmlns:a16="http://schemas.microsoft.com/office/drawing/2014/main" id="{BCC1FD77-FAB1-4463-9C46-EB379A9AE9FC}"/>
-              </a:ext>
-            </a:extLst>
-          </p:cNvPr>
-          <p:cNvSpPr txBox="1"/>
-          <p:nvPr/>
-        </p:nvSpPr>
-        <p:spPr>
-          <a:xfrm>
-            <a:off x="7267342" y="177266"/>
-            <a:ext cx="4704878" cy="400110"/>
-          </a:xfrm>
-          <a:prstGeom prst="rect">
-            <a:avLst/>
-          </a:prstGeom>
-          <a:noFill/>
-        </p:spPr>
-        <p:txBody>
-          <a:bodyPr wrap="none" rtlCol="0">
-            <a:spAutoFit/>
-          </a:bodyPr>
+      <p:sp>
+        <p:nvSpPr>
+          <p:cNvPr id="2" name="Title 1">
+            <a:extLst>
+              <a:ext uri="{FF2B5EF4-FFF2-40B4-BE49-F238E27FC236}">
+                <a16:creationId xmlns:a16="http://schemas.microsoft.com/office/drawing/2014/main" id="{20521BFD-BBEE-4FDA-BBEA-8F1A6E4884C0}"/>
+              </a:ext>
+            </a:extLst>
+          </p:cNvPr>
+          <p:cNvSpPr>
+            <a:spLocks noGrp="1"/>
+          </p:cNvSpPr>
+          <p:nvPr>
+            <p:ph type="ctrTitle"/>
+          </p:nvPr>
+        </p:nvSpPr>
+        <p:spPr/>
+        <p:txBody>
+          <a:bodyPr/>
           <a:lstStyle/>
           <a:p>
             <a:r>
-              <a:rPr lang="en-US" sz="2000" dirty="0"/>
-              <a:t>Proportion of samples types by publication </a:t>
+              <a:rPr lang="en-US" dirty="0"/>
+              <a:t>OLD STUFF</a:t>
+            </a:r>
+            <a:br>
+              <a:rPr lang="en-US" dirty="0"/>
+            </a:br>
+            <a:r>
+              <a:rPr lang="en-US" dirty="0"/>
+              <a:t>Go term </a:t>
+            </a:r>
+            <a:r>
+              <a:rPr lang="en-US" dirty="0" err="1"/>
+              <a:t>visualisations</a:t>
+            </a:r>
+            <a:endParaRPr lang="en-US" dirty="0"/>
+          </a:p>
+        </p:txBody>
+      </p:sp>
+      <p:sp>
+        <p:nvSpPr>
+          <p:cNvPr id="3" name="Subtitle 2">
+            <a:extLst>
+              <a:ext uri="{FF2B5EF4-FFF2-40B4-BE49-F238E27FC236}">
+                <a16:creationId xmlns:a16="http://schemas.microsoft.com/office/drawing/2014/main" id="{2CCC5B1D-2D7F-4672-8E00-371F37FE7D2A}"/>
+              </a:ext>
+            </a:extLst>
+          </p:cNvPr>
+          <p:cNvSpPr>
+            <a:spLocks noGrp="1"/>
+          </p:cNvSpPr>
+          <p:nvPr>
+            <p:ph type="subTitle" idx="1"/>
+          </p:nvPr>
+        </p:nvSpPr>
+        <p:spPr/>
+        <p:txBody>
+          <a:bodyPr/>
+          <a:lstStyle/>
+          <a:p>
+            <a:r>
+              <a:rPr lang="en-US" dirty="0"/>
+              <a:t>Jochum, Michael D.</a:t>
+            </a:r>
+          </a:p>
+          <a:p>
+            <a:r>
+              <a:rPr lang="en-US" dirty="0"/>
+              <a:t>27 Oct 2020</a:t>
             </a:r>
           </a:p>
         </p:txBody>
@@ -5809,7 +6735,7 @@
     </p:spTree>
     <p:extLst>
       <p:ext uri="{BB962C8B-B14F-4D97-AF65-F5344CB8AC3E}">
-        <p14:creationId xmlns:p14="http://schemas.microsoft.com/office/powerpoint/2010/main" val="2706202449"/>
+        <p14:creationId xmlns:p14="http://schemas.microsoft.com/office/powerpoint/2010/main" val="2725461332"/>
       </p:ext>
     </p:extLst>
   </p:cSld>
@@ -5836,89 +6762,12 @@
           <a:chExt cx="0" cy="0"/>
         </a:xfrm>
       </p:grpSpPr>
-      <p:sp>
-        <p:nvSpPr>
-          <p:cNvPr id="4" name="TextBox 3">
-            <a:extLst>
-              <a:ext uri="{FF2B5EF4-FFF2-40B4-BE49-F238E27FC236}">
-                <a16:creationId xmlns:a16="http://schemas.microsoft.com/office/drawing/2014/main" id="{BCC1FD77-FAB1-4463-9C46-EB379A9AE9FC}"/>
-              </a:ext>
-            </a:extLst>
-          </p:cNvPr>
-          <p:cNvSpPr txBox="1"/>
-          <p:nvPr/>
-        </p:nvSpPr>
-        <p:spPr>
-          <a:xfrm>
-            <a:off x="3239288" y="177266"/>
-            <a:ext cx="5713424" cy="400110"/>
-          </a:xfrm>
-          <a:prstGeom prst="rect">
-            <a:avLst/>
-          </a:prstGeom>
-          <a:noFill/>
-        </p:spPr>
-        <p:txBody>
-          <a:bodyPr wrap="none" rtlCol="0">
-            <a:spAutoFit/>
-          </a:bodyPr>
-          <a:lstStyle/>
-          <a:p>
-            <a:pPr algn="ctr"/>
-            <a:r>
-              <a:rPr lang="en-US" sz="2000" b="0" i="0" dirty="0">
-                <a:solidFill>
-                  <a:srgbClr val="333333"/>
-                </a:solidFill>
-                <a:effectLst/>
-                <a:latin typeface="Helvetica Neue"/>
-              </a:rPr>
-              <a:t>Dirichlet Multinomial Mixtures Community typing</a:t>
-            </a:r>
-          </a:p>
-        </p:txBody>
-      </p:sp>
       <p:pic>
         <p:nvPicPr>
-          <p:cNvPr id="5" name="Picture 4" descr="Chart, scatter chart&#10;&#10;Description automatically generated">
-            <a:extLst>
-              <a:ext uri="{FF2B5EF4-FFF2-40B4-BE49-F238E27FC236}">
-                <a16:creationId xmlns:a16="http://schemas.microsoft.com/office/drawing/2014/main" id="{8F28D465-3C5B-40F6-A123-8AB7C99B4730}"/>
-              </a:ext>
-            </a:extLst>
-          </p:cNvPr>
-          <p:cNvPicPr>
-            <a:picLocks noChangeAspect="1"/>
-          </p:cNvPicPr>
-          <p:nvPr/>
-        </p:nvPicPr>
-        <p:blipFill rotWithShape="1">
-          <a:blip r:embed="rId2">
-            <a:extLst>
-              <a:ext uri="{28A0092B-C50C-407E-A947-70E740481C1C}">
-                <a14:useLocalDpi xmlns:a14="http://schemas.microsoft.com/office/drawing/2010/main" val="0"/>
-              </a:ext>
-            </a:extLst>
-          </a:blip>
-          <a:srcRect t="23758"/>
-          <a:stretch/>
-        </p:blipFill>
-        <p:spPr>
-          <a:xfrm>
-            <a:off x="70786" y="24583"/>
-            <a:ext cx="1641835" cy="1251767"/>
-          </a:xfrm>
-          <a:prstGeom prst="rect">
-            <a:avLst/>
-          </a:prstGeom>
-        </p:spPr>
-      </p:pic>
-      <p:pic>
-        <p:nvPicPr>
-          <p:cNvPr id="7" name="Picture 6" descr="Chart, treemap chart&#10;&#10;Description automatically generated">
-            <a:extLst>
-              <a:ext uri="{FF2B5EF4-FFF2-40B4-BE49-F238E27FC236}">
-                <a16:creationId xmlns:a16="http://schemas.microsoft.com/office/drawing/2014/main" id="{9B75E63E-AC0A-4163-BFAC-DE59BAD996AB}"/>
+          <p:cNvPr id="3" name="Picture 2" descr="Chart, bar chart&#10;&#10;Description automatically generated">
+            <a:extLst>
+              <a:ext uri="{FF2B5EF4-FFF2-40B4-BE49-F238E27FC236}">
+                <a16:creationId xmlns:a16="http://schemas.microsoft.com/office/drawing/2014/main" id="{E77F9D17-82E3-4B27-A811-865C0CDDD3E3}"/>
               </a:ext>
             </a:extLst>
           </p:cNvPr>
@@ -5928,7 +6777,7 @@
           <p:nvPr/>
         </p:nvPicPr>
         <p:blipFill>
-          <a:blip r:embed="rId3">
+          <a:blip r:embed="rId2">
             <a:extLst>
               <a:ext uri="{28A0092B-C50C-407E-A947-70E740481C1C}">
                 <a14:useLocalDpi xmlns:a14="http://schemas.microsoft.com/office/drawing/2010/main" val="0"/>
@@ -5941,18 +6790,53 @@
         </p:blipFill>
         <p:spPr>
           <a:xfrm>
-            <a:off x="689618" y="1142202"/>
-            <a:ext cx="11431595" cy="5715798"/>
+            <a:off x="219780" y="177266"/>
+            <a:ext cx="6503467" cy="6503467"/>
           </a:xfrm>
           <a:prstGeom prst="rect">
             <a:avLst/>
           </a:prstGeom>
         </p:spPr>
       </p:pic>
+      <p:sp>
+        <p:nvSpPr>
+          <p:cNvPr id="4" name="TextBox 3">
+            <a:extLst>
+              <a:ext uri="{FF2B5EF4-FFF2-40B4-BE49-F238E27FC236}">
+                <a16:creationId xmlns:a16="http://schemas.microsoft.com/office/drawing/2014/main" id="{BCC1FD77-FAB1-4463-9C46-EB379A9AE9FC}"/>
+              </a:ext>
+            </a:extLst>
+          </p:cNvPr>
+          <p:cNvSpPr txBox="1"/>
+          <p:nvPr/>
+        </p:nvSpPr>
+        <p:spPr>
+          <a:xfrm>
+            <a:off x="7267342" y="177266"/>
+            <a:ext cx="4704878" cy="400110"/>
+          </a:xfrm>
+          <a:prstGeom prst="rect">
+            <a:avLst/>
+          </a:prstGeom>
+          <a:noFill/>
+        </p:spPr>
+        <p:txBody>
+          <a:bodyPr wrap="none" rtlCol="0">
+            <a:spAutoFit/>
+          </a:bodyPr>
+          <a:lstStyle/>
+          <a:p>
+            <a:r>
+              <a:rPr lang="en-US" sz="2000" dirty="0"/>
+              <a:t>Proportion of samples types by publication </a:t>
+            </a:r>
+          </a:p>
+        </p:txBody>
+      </p:sp>
     </p:spTree>
     <p:extLst>
       <p:ext uri="{BB962C8B-B14F-4D97-AF65-F5344CB8AC3E}">
-        <p14:creationId xmlns:p14="http://schemas.microsoft.com/office/powerpoint/2010/main" val="3874893979"/>
+        <p14:creationId xmlns:p14="http://schemas.microsoft.com/office/powerpoint/2010/main" val="2706202449"/>
       </p:ext>
     </p:extLst>
   </p:cSld>
